--- a/AprendizadoMaquina/Tópico 02 - Aprendizado Supervisionado/03 - ARVORES DECISÃO/Tópico 02 - Aprendizado-Supervisionado - Arvores.pptx
+++ b/AprendizadoMaquina/Tópico 02 - Aprendizado Supervisionado/03 - ARVORES DECISÃO/Tópico 02 - Aprendizado-Supervisionado - Arvores.pptx
@@ -309,7 +309,7 @@
             <a:pPr algn="r">
               <a:buNone/>
             </a:pPr>
-            <a:fld id="{0DF69487-C27F-452F-9666-9B995EC43D6A}" type="slidenum">
+            <a:fld id="{B140E328-0DA9-4917-8E7C-9B826F435054}" type="slidenum">
               <a:rPr b="0" lang="pt-BR" sz="1400" spc="-1" strike="noStrike">
                 <a:latin typeface="Times New Roman"/>
               </a:rPr>
@@ -346,7 +346,7 @@
       </p:grpSpPr>
       <p:sp>
         <p:nvSpPr>
-          <p:cNvPr id="193" name="PlaceHolder 1"/>
+          <p:cNvPr id="190" name="PlaceHolder 1"/>
           <p:cNvSpPr>
             <a:spLocks noGrp="1"/>
           </p:cNvSpPr>
@@ -357,19 +357,19 @@
         <p:spPr>
           <a:xfrm>
             <a:off x="1376280" y="1336680"/>
-            <a:ext cx="4799160" cy="3598920"/>
-          </a:xfrm>
-          <a:prstGeom prst="rect">
-            <a:avLst/>
-          </a:prstGeom>
-          <a:ln w="0">
-            <a:noFill/>
-          </a:ln>
-        </p:spPr>
-      </p:sp>
-      <p:sp>
-        <p:nvSpPr>
-          <p:cNvPr id="194" name="PlaceHolder 2"/>
+            <a:ext cx="4798440" cy="3598200"/>
+          </a:xfrm>
+          <a:prstGeom prst="rect">
+            <a:avLst/>
+          </a:prstGeom>
+          <a:ln w="0">
+            <a:noFill/>
+          </a:ln>
+        </p:spPr>
+      </p:sp>
+      <p:sp>
+        <p:nvSpPr>
+          <p:cNvPr id="191" name="PlaceHolder 2"/>
           <p:cNvSpPr>
             <a:spLocks noGrp="1"/>
           </p:cNvSpPr>
@@ -380,7 +380,7 @@
         <p:spPr>
           <a:xfrm>
             <a:off x="756000" y="5145120"/>
-            <a:ext cx="6039360" cy="4201560"/>
+            <a:ext cx="6038640" cy="4200840"/>
           </a:xfrm>
           <a:prstGeom prst="rect">
             <a:avLst/>
@@ -403,14 +403,14 @@
       </p:sp>
       <p:sp>
         <p:nvSpPr>
-          <p:cNvPr id="195" name="CustomShape 3"/>
+          <p:cNvPr id="192" name="CustomShape 3"/>
           <p:cNvSpPr/>
           <p:nvPr/>
         </p:nvSpPr>
         <p:spPr>
           <a:xfrm>
             <a:off x="0" y="10155240"/>
-            <a:ext cx="3267720" cy="528120"/>
+            <a:ext cx="3267000" cy="527400"/>
           </a:xfrm>
           <a:prstGeom prst="rect">
             <a:avLst/>
@@ -477,7 +477,7 @@
       </p:grpSpPr>
       <p:sp>
         <p:nvSpPr>
-          <p:cNvPr id="220" name="PlaceHolder 1"/>
+          <p:cNvPr id="217" name="PlaceHolder 1"/>
           <p:cNvSpPr>
             <a:spLocks noGrp="1"/>
           </p:cNvSpPr>
@@ -488,19 +488,19 @@
         <p:spPr>
           <a:xfrm>
             <a:off x="1376280" y="1336680"/>
-            <a:ext cx="4799160" cy="3598920"/>
-          </a:xfrm>
-          <a:prstGeom prst="rect">
-            <a:avLst/>
-          </a:prstGeom>
-          <a:ln w="0">
-            <a:noFill/>
-          </a:ln>
-        </p:spPr>
-      </p:sp>
-      <p:sp>
-        <p:nvSpPr>
-          <p:cNvPr id="221" name="PlaceHolder 2"/>
+            <a:ext cx="4798440" cy="3598200"/>
+          </a:xfrm>
+          <a:prstGeom prst="rect">
+            <a:avLst/>
+          </a:prstGeom>
+          <a:ln w="0">
+            <a:noFill/>
+          </a:ln>
+        </p:spPr>
+      </p:sp>
+      <p:sp>
+        <p:nvSpPr>
+          <p:cNvPr id="218" name="PlaceHolder 2"/>
           <p:cNvSpPr>
             <a:spLocks noGrp="1"/>
           </p:cNvSpPr>
@@ -511,7 +511,7 @@
         <p:spPr>
           <a:xfrm>
             <a:off x="756000" y="5145120"/>
-            <a:ext cx="6039360" cy="4201560"/>
+            <a:ext cx="6038640" cy="4200840"/>
           </a:xfrm>
           <a:prstGeom prst="rect">
             <a:avLst/>
@@ -534,14 +534,14 @@
       </p:sp>
       <p:sp>
         <p:nvSpPr>
-          <p:cNvPr id="222" name="CustomShape 44"/>
+          <p:cNvPr id="219" name="CustomShape 44"/>
           <p:cNvSpPr/>
           <p:nvPr/>
         </p:nvSpPr>
         <p:spPr>
           <a:xfrm>
             <a:off x="0" y="10155240"/>
-            <a:ext cx="3267720" cy="528120"/>
+            <a:ext cx="3267000" cy="527400"/>
           </a:xfrm>
           <a:prstGeom prst="rect">
             <a:avLst/>
@@ -608,7 +608,7 @@
       </p:grpSpPr>
       <p:sp>
         <p:nvSpPr>
-          <p:cNvPr id="223" name="PlaceHolder 1"/>
+          <p:cNvPr id="220" name="PlaceHolder 1"/>
           <p:cNvSpPr>
             <a:spLocks noGrp="1"/>
           </p:cNvSpPr>
@@ -619,19 +619,19 @@
         <p:spPr>
           <a:xfrm>
             <a:off x="1376280" y="1336680"/>
-            <a:ext cx="4799160" cy="3598920"/>
-          </a:xfrm>
-          <a:prstGeom prst="rect">
-            <a:avLst/>
-          </a:prstGeom>
-          <a:ln w="0">
-            <a:noFill/>
-          </a:ln>
-        </p:spPr>
-      </p:sp>
-      <p:sp>
-        <p:nvSpPr>
-          <p:cNvPr id="224" name="PlaceHolder 2"/>
+            <a:ext cx="4798440" cy="3598200"/>
+          </a:xfrm>
+          <a:prstGeom prst="rect">
+            <a:avLst/>
+          </a:prstGeom>
+          <a:ln w="0">
+            <a:noFill/>
+          </a:ln>
+        </p:spPr>
+      </p:sp>
+      <p:sp>
+        <p:nvSpPr>
+          <p:cNvPr id="221" name="PlaceHolder 2"/>
           <p:cNvSpPr>
             <a:spLocks noGrp="1"/>
           </p:cNvSpPr>
@@ -642,7 +642,7 @@
         <p:spPr>
           <a:xfrm>
             <a:off x="756000" y="5145120"/>
-            <a:ext cx="6039360" cy="4201560"/>
+            <a:ext cx="6038640" cy="4200840"/>
           </a:xfrm>
           <a:prstGeom prst="rect">
             <a:avLst/>
@@ -665,14 +665,14 @@
       </p:sp>
       <p:sp>
         <p:nvSpPr>
-          <p:cNvPr id="225" name="CustomShape 49"/>
+          <p:cNvPr id="222" name="CustomShape 49"/>
           <p:cNvSpPr/>
           <p:nvPr/>
         </p:nvSpPr>
         <p:spPr>
           <a:xfrm>
             <a:off x="0" y="10155240"/>
-            <a:ext cx="3267720" cy="528120"/>
+            <a:ext cx="3267000" cy="527400"/>
           </a:xfrm>
           <a:prstGeom prst="rect">
             <a:avLst/>
@@ -739,7 +739,7 @@
       </p:grpSpPr>
       <p:sp>
         <p:nvSpPr>
-          <p:cNvPr id="226" name="PlaceHolder 1"/>
+          <p:cNvPr id="223" name="PlaceHolder 1"/>
           <p:cNvSpPr>
             <a:spLocks noGrp="1"/>
           </p:cNvSpPr>
@@ -750,19 +750,19 @@
         <p:spPr>
           <a:xfrm>
             <a:off x="1376280" y="1336680"/>
-            <a:ext cx="4799160" cy="3598920"/>
-          </a:xfrm>
-          <a:prstGeom prst="rect">
-            <a:avLst/>
-          </a:prstGeom>
-          <a:ln w="0">
-            <a:noFill/>
-          </a:ln>
-        </p:spPr>
-      </p:sp>
-      <p:sp>
-        <p:nvSpPr>
-          <p:cNvPr id="227" name="PlaceHolder 2"/>
+            <a:ext cx="4798440" cy="3598200"/>
+          </a:xfrm>
+          <a:prstGeom prst="rect">
+            <a:avLst/>
+          </a:prstGeom>
+          <a:ln w="0">
+            <a:noFill/>
+          </a:ln>
+        </p:spPr>
+      </p:sp>
+      <p:sp>
+        <p:nvSpPr>
+          <p:cNvPr id="224" name="PlaceHolder 2"/>
           <p:cNvSpPr>
             <a:spLocks noGrp="1"/>
           </p:cNvSpPr>
@@ -773,7 +773,7 @@
         <p:spPr>
           <a:xfrm>
             <a:off x="756000" y="5145120"/>
-            <a:ext cx="6039360" cy="4201560"/>
+            <a:ext cx="6038640" cy="4200840"/>
           </a:xfrm>
           <a:prstGeom prst="rect">
             <a:avLst/>
@@ -796,14 +796,14 @@
       </p:sp>
       <p:sp>
         <p:nvSpPr>
-          <p:cNvPr id="228" name="CustomShape 84"/>
+          <p:cNvPr id="225" name="CustomShape 84"/>
           <p:cNvSpPr/>
           <p:nvPr/>
         </p:nvSpPr>
         <p:spPr>
           <a:xfrm>
             <a:off x="0" y="10155240"/>
-            <a:ext cx="3267720" cy="528120"/>
+            <a:ext cx="3267000" cy="527400"/>
           </a:xfrm>
           <a:prstGeom prst="rect">
             <a:avLst/>
@@ -870,7 +870,7 @@
       </p:grpSpPr>
       <p:sp>
         <p:nvSpPr>
-          <p:cNvPr id="229" name="PlaceHolder 1"/>
+          <p:cNvPr id="226" name="PlaceHolder 1"/>
           <p:cNvSpPr>
             <a:spLocks noGrp="1"/>
           </p:cNvSpPr>
@@ -881,19 +881,19 @@
         <p:spPr>
           <a:xfrm>
             <a:off x="1376280" y="1336680"/>
-            <a:ext cx="4799160" cy="3598920"/>
-          </a:xfrm>
-          <a:prstGeom prst="rect">
-            <a:avLst/>
-          </a:prstGeom>
-          <a:ln w="0">
-            <a:noFill/>
-          </a:ln>
-        </p:spPr>
-      </p:sp>
-      <p:sp>
-        <p:nvSpPr>
-          <p:cNvPr id="230" name="PlaceHolder 2"/>
+            <a:ext cx="4798440" cy="3598200"/>
+          </a:xfrm>
+          <a:prstGeom prst="rect">
+            <a:avLst/>
+          </a:prstGeom>
+          <a:ln w="0">
+            <a:noFill/>
+          </a:ln>
+        </p:spPr>
+      </p:sp>
+      <p:sp>
+        <p:nvSpPr>
+          <p:cNvPr id="227" name="PlaceHolder 2"/>
           <p:cNvSpPr>
             <a:spLocks noGrp="1"/>
           </p:cNvSpPr>
@@ -904,7 +904,7 @@
         <p:spPr>
           <a:xfrm>
             <a:off x="756000" y="5145120"/>
-            <a:ext cx="6039360" cy="4201560"/>
+            <a:ext cx="6038640" cy="4200840"/>
           </a:xfrm>
           <a:prstGeom prst="rect">
             <a:avLst/>
@@ -927,14 +927,14 @@
       </p:sp>
       <p:sp>
         <p:nvSpPr>
-          <p:cNvPr id="231" name="CustomShape 54"/>
+          <p:cNvPr id="228" name="CustomShape 54"/>
           <p:cNvSpPr/>
           <p:nvPr/>
         </p:nvSpPr>
         <p:spPr>
           <a:xfrm>
             <a:off x="0" y="10155240"/>
-            <a:ext cx="3267720" cy="528120"/>
+            <a:ext cx="3267000" cy="527400"/>
           </a:xfrm>
           <a:prstGeom prst="rect">
             <a:avLst/>
@@ -1001,7 +1001,7 @@
       </p:grpSpPr>
       <p:sp>
         <p:nvSpPr>
-          <p:cNvPr id="232" name="PlaceHolder 1"/>
+          <p:cNvPr id="229" name="PlaceHolder 1"/>
           <p:cNvSpPr>
             <a:spLocks noGrp="1"/>
           </p:cNvSpPr>
@@ -1012,19 +1012,19 @@
         <p:spPr>
           <a:xfrm>
             <a:off x="1376280" y="1336680"/>
-            <a:ext cx="4799160" cy="3598920"/>
-          </a:xfrm>
-          <a:prstGeom prst="rect">
-            <a:avLst/>
-          </a:prstGeom>
-          <a:ln w="0">
-            <a:noFill/>
-          </a:ln>
-        </p:spPr>
-      </p:sp>
-      <p:sp>
-        <p:nvSpPr>
-          <p:cNvPr id="233" name="PlaceHolder 2"/>
+            <a:ext cx="4798440" cy="3598200"/>
+          </a:xfrm>
+          <a:prstGeom prst="rect">
+            <a:avLst/>
+          </a:prstGeom>
+          <a:ln w="0">
+            <a:noFill/>
+          </a:ln>
+        </p:spPr>
+      </p:sp>
+      <p:sp>
+        <p:nvSpPr>
+          <p:cNvPr id="230" name="PlaceHolder 2"/>
           <p:cNvSpPr>
             <a:spLocks noGrp="1"/>
           </p:cNvSpPr>
@@ -1035,7 +1035,7 @@
         <p:spPr>
           <a:xfrm>
             <a:off x="756000" y="5145120"/>
-            <a:ext cx="6039360" cy="4201560"/>
+            <a:ext cx="6038640" cy="4200840"/>
           </a:xfrm>
           <a:prstGeom prst="rect">
             <a:avLst/>
@@ -1058,14 +1058,14 @@
       </p:sp>
       <p:sp>
         <p:nvSpPr>
-          <p:cNvPr id="234" name="CustomShape 59"/>
+          <p:cNvPr id="231" name="CustomShape 59"/>
           <p:cNvSpPr/>
           <p:nvPr/>
         </p:nvSpPr>
         <p:spPr>
           <a:xfrm>
             <a:off x="0" y="10155240"/>
-            <a:ext cx="3267720" cy="528120"/>
+            <a:ext cx="3267000" cy="527400"/>
           </a:xfrm>
           <a:prstGeom prst="rect">
             <a:avLst/>
@@ -1132,7 +1132,7 @@
       </p:grpSpPr>
       <p:sp>
         <p:nvSpPr>
-          <p:cNvPr id="235" name="PlaceHolder 1"/>
+          <p:cNvPr id="232" name="PlaceHolder 1"/>
           <p:cNvSpPr>
             <a:spLocks noGrp="1"/>
           </p:cNvSpPr>
@@ -1143,19 +1143,19 @@
         <p:spPr>
           <a:xfrm>
             <a:off x="1376280" y="1336680"/>
-            <a:ext cx="4799160" cy="3598920"/>
-          </a:xfrm>
-          <a:prstGeom prst="rect">
-            <a:avLst/>
-          </a:prstGeom>
-          <a:ln w="0">
-            <a:noFill/>
-          </a:ln>
-        </p:spPr>
-      </p:sp>
-      <p:sp>
-        <p:nvSpPr>
-          <p:cNvPr id="236" name="PlaceHolder 2"/>
+            <a:ext cx="4798440" cy="3598200"/>
+          </a:xfrm>
+          <a:prstGeom prst="rect">
+            <a:avLst/>
+          </a:prstGeom>
+          <a:ln w="0">
+            <a:noFill/>
+          </a:ln>
+        </p:spPr>
+      </p:sp>
+      <p:sp>
+        <p:nvSpPr>
+          <p:cNvPr id="233" name="PlaceHolder 2"/>
           <p:cNvSpPr>
             <a:spLocks noGrp="1"/>
           </p:cNvSpPr>
@@ -1166,7 +1166,7 @@
         <p:spPr>
           <a:xfrm>
             <a:off x="756000" y="5145120"/>
-            <a:ext cx="6039360" cy="4201560"/>
+            <a:ext cx="6038640" cy="4200840"/>
           </a:xfrm>
           <a:prstGeom prst="rect">
             <a:avLst/>
@@ -1189,14 +1189,14 @@
       </p:sp>
       <p:sp>
         <p:nvSpPr>
-          <p:cNvPr id="237" name="CustomShape 64"/>
+          <p:cNvPr id="234" name="CustomShape 64"/>
           <p:cNvSpPr/>
           <p:nvPr/>
         </p:nvSpPr>
         <p:spPr>
           <a:xfrm>
             <a:off x="0" y="10155240"/>
-            <a:ext cx="3267720" cy="528120"/>
+            <a:ext cx="3267000" cy="527400"/>
           </a:xfrm>
           <a:prstGeom prst="rect">
             <a:avLst/>
@@ -1263,7 +1263,7 @@
       </p:grpSpPr>
       <p:sp>
         <p:nvSpPr>
-          <p:cNvPr id="238" name="PlaceHolder 1"/>
+          <p:cNvPr id="235" name="PlaceHolder 1"/>
           <p:cNvSpPr>
             <a:spLocks noGrp="1"/>
           </p:cNvSpPr>
@@ -1274,19 +1274,19 @@
         <p:spPr>
           <a:xfrm>
             <a:off x="1376280" y="1336680"/>
-            <a:ext cx="4799160" cy="3598920"/>
-          </a:xfrm>
-          <a:prstGeom prst="rect">
-            <a:avLst/>
-          </a:prstGeom>
-          <a:ln w="0">
-            <a:noFill/>
-          </a:ln>
-        </p:spPr>
-      </p:sp>
-      <p:sp>
-        <p:nvSpPr>
-          <p:cNvPr id="239" name="PlaceHolder 2"/>
+            <a:ext cx="4798440" cy="3598200"/>
+          </a:xfrm>
+          <a:prstGeom prst="rect">
+            <a:avLst/>
+          </a:prstGeom>
+          <a:ln w="0">
+            <a:noFill/>
+          </a:ln>
+        </p:spPr>
+      </p:sp>
+      <p:sp>
+        <p:nvSpPr>
+          <p:cNvPr id="236" name="PlaceHolder 2"/>
           <p:cNvSpPr>
             <a:spLocks noGrp="1"/>
           </p:cNvSpPr>
@@ -1297,7 +1297,7 @@
         <p:spPr>
           <a:xfrm>
             <a:off x="756000" y="5145120"/>
-            <a:ext cx="6039360" cy="4201560"/>
+            <a:ext cx="6038640" cy="4200840"/>
           </a:xfrm>
           <a:prstGeom prst="rect">
             <a:avLst/>
@@ -1320,14 +1320,14 @@
       </p:sp>
       <p:sp>
         <p:nvSpPr>
-          <p:cNvPr id="240" name="CustomShape 69"/>
+          <p:cNvPr id="237" name="CustomShape 69"/>
           <p:cNvSpPr/>
           <p:nvPr/>
         </p:nvSpPr>
         <p:spPr>
           <a:xfrm>
             <a:off x="0" y="10155240"/>
-            <a:ext cx="3267720" cy="528120"/>
+            <a:ext cx="3267000" cy="527400"/>
           </a:xfrm>
           <a:prstGeom prst="rect">
             <a:avLst/>
@@ -1394,7 +1394,7 @@
       </p:grpSpPr>
       <p:sp>
         <p:nvSpPr>
-          <p:cNvPr id="241" name="PlaceHolder 1"/>
+          <p:cNvPr id="238" name="PlaceHolder 1"/>
           <p:cNvSpPr>
             <a:spLocks noGrp="1"/>
           </p:cNvSpPr>
@@ -1405,19 +1405,19 @@
         <p:spPr>
           <a:xfrm>
             <a:off x="1376280" y="1336680"/>
-            <a:ext cx="4799160" cy="3598920"/>
-          </a:xfrm>
-          <a:prstGeom prst="rect">
-            <a:avLst/>
-          </a:prstGeom>
-          <a:ln w="0">
-            <a:noFill/>
-          </a:ln>
-        </p:spPr>
-      </p:sp>
-      <p:sp>
-        <p:nvSpPr>
-          <p:cNvPr id="242" name="PlaceHolder 2"/>
+            <a:ext cx="4798440" cy="3598200"/>
+          </a:xfrm>
+          <a:prstGeom prst="rect">
+            <a:avLst/>
+          </a:prstGeom>
+          <a:ln w="0">
+            <a:noFill/>
+          </a:ln>
+        </p:spPr>
+      </p:sp>
+      <p:sp>
+        <p:nvSpPr>
+          <p:cNvPr id="239" name="PlaceHolder 2"/>
           <p:cNvSpPr>
             <a:spLocks noGrp="1"/>
           </p:cNvSpPr>
@@ -1428,7 +1428,7 @@
         <p:spPr>
           <a:xfrm>
             <a:off x="756000" y="5145120"/>
-            <a:ext cx="6039360" cy="4201560"/>
+            <a:ext cx="6038640" cy="4200840"/>
           </a:xfrm>
           <a:prstGeom prst="rect">
             <a:avLst/>
@@ -1451,14 +1451,14 @@
       </p:sp>
       <p:sp>
         <p:nvSpPr>
-          <p:cNvPr id="243" name="CustomShape 74"/>
+          <p:cNvPr id="240" name="CustomShape 74"/>
           <p:cNvSpPr/>
           <p:nvPr/>
         </p:nvSpPr>
         <p:spPr>
           <a:xfrm>
             <a:off x="0" y="10155240"/>
-            <a:ext cx="3267720" cy="528120"/>
+            <a:ext cx="3267000" cy="527400"/>
           </a:xfrm>
           <a:prstGeom prst="rect">
             <a:avLst/>
@@ -1525,7 +1525,7 @@
       </p:grpSpPr>
       <p:sp>
         <p:nvSpPr>
-          <p:cNvPr id="196" name="PlaceHolder 1"/>
+          <p:cNvPr id="193" name="PlaceHolder 1"/>
           <p:cNvSpPr>
             <a:spLocks noGrp="1"/>
           </p:cNvSpPr>
@@ -1536,19 +1536,19 @@
         <p:spPr>
           <a:xfrm>
             <a:off x="1376280" y="1336680"/>
-            <a:ext cx="4799160" cy="3598920"/>
-          </a:xfrm>
-          <a:prstGeom prst="rect">
-            <a:avLst/>
-          </a:prstGeom>
-          <a:ln w="0">
-            <a:noFill/>
-          </a:ln>
-        </p:spPr>
-      </p:sp>
-      <p:sp>
-        <p:nvSpPr>
-          <p:cNvPr id="197" name="PlaceHolder 2"/>
+            <a:ext cx="4798440" cy="3598200"/>
+          </a:xfrm>
+          <a:prstGeom prst="rect">
+            <a:avLst/>
+          </a:prstGeom>
+          <a:ln w="0">
+            <a:noFill/>
+          </a:ln>
+        </p:spPr>
+      </p:sp>
+      <p:sp>
+        <p:nvSpPr>
+          <p:cNvPr id="194" name="PlaceHolder 2"/>
           <p:cNvSpPr>
             <a:spLocks noGrp="1"/>
           </p:cNvSpPr>
@@ -1559,7 +1559,7 @@
         <p:spPr>
           <a:xfrm>
             <a:off x="756000" y="5145120"/>
-            <a:ext cx="6039360" cy="4201560"/>
+            <a:ext cx="6038640" cy="4200840"/>
           </a:xfrm>
           <a:prstGeom prst="rect">
             <a:avLst/>
@@ -1582,14 +1582,14 @@
       </p:sp>
       <p:sp>
         <p:nvSpPr>
-          <p:cNvPr id="198" name="CustomShape 3"/>
+          <p:cNvPr id="195" name="CustomShape 3"/>
           <p:cNvSpPr/>
           <p:nvPr/>
         </p:nvSpPr>
         <p:spPr>
           <a:xfrm>
             <a:off x="0" y="10155240"/>
-            <a:ext cx="3267720" cy="528120"/>
+            <a:ext cx="3267000" cy="527400"/>
           </a:xfrm>
           <a:prstGeom prst="rect">
             <a:avLst/>
@@ -1656,7 +1656,7 @@
       </p:grpSpPr>
       <p:sp>
         <p:nvSpPr>
-          <p:cNvPr id="199" name="PlaceHolder 1"/>
+          <p:cNvPr id="196" name="PlaceHolder 1"/>
           <p:cNvSpPr>
             <a:spLocks noGrp="1"/>
           </p:cNvSpPr>
@@ -1667,19 +1667,19 @@
         <p:spPr>
           <a:xfrm>
             <a:off x="1376280" y="1336680"/>
-            <a:ext cx="4799160" cy="3598920"/>
-          </a:xfrm>
-          <a:prstGeom prst="rect">
-            <a:avLst/>
-          </a:prstGeom>
-          <a:ln w="0">
-            <a:noFill/>
-          </a:ln>
-        </p:spPr>
-      </p:sp>
-      <p:sp>
-        <p:nvSpPr>
-          <p:cNvPr id="200" name="PlaceHolder 2"/>
+            <a:ext cx="4798440" cy="3598200"/>
+          </a:xfrm>
+          <a:prstGeom prst="rect">
+            <a:avLst/>
+          </a:prstGeom>
+          <a:ln w="0">
+            <a:noFill/>
+          </a:ln>
+        </p:spPr>
+      </p:sp>
+      <p:sp>
+        <p:nvSpPr>
+          <p:cNvPr id="197" name="PlaceHolder 2"/>
           <p:cNvSpPr>
             <a:spLocks noGrp="1"/>
           </p:cNvSpPr>
@@ -1690,7 +1690,7 @@
         <p:spPr>
           <a:xfrm>
             <a:off x="756000" y="5145120"/>
-            <a:ext cx="6039360" cy="4201560"/>
+            <a:ext cx="6038640" cy="4200840"/>
           </a:xfrm>
           <a:prstGeom prst="rect">
             <a:avLst/>
@@ -1713,14 +1713,14 @@
       </p:sp>
       <p:sp>
         <p:nvSpPr>
-          <p:cNvPr id="201" name="CustomShape 5"/>
+          <p:cNvPr id="198" name="CustomShape 5"/>
           <p:cNvSpPr/>
           <p:nvPr/>
         </p:nvSpPr>
         <p:spPr>
           <a:xfrm>
             <a:off x="0" y="10155240"/>
-            <a:ext cx="3267720" cy="528120"/>
+            <a:ext cx="3267000" cy="527400"/>
           </a:xfrm>
           <a:prstGeom prst="rect">
             <a:avLst/>
@@ -1787,7 +1787,7 @@
       </p:grpSpPr>
       <p:sp>
         <p:nvSpPr>
-          <p:cNvPr id="202" name="PlaceHolder 1"/>
+          <p:cNvPr id="199" name="PlaceHolder 1"/>
           <p:cNvSpPr>
             <a:spLocks noGrp="1"/>
           </p:cNvSpPr>
@@ -1798,19 +1798,19 @@
         <p:spPr>
           <a:xfrm>
             <a:off x="1376280" y="1336680"/>
-            <a:ext cx="4799160" cy="3598920"/>
-          </a:xfrm>
-          <a:prstGeom prst="rect">
-            <a:avLst/>
-          </a:prstGeom>
-          <a:ln w="0">
-            <a:noFill/>
-          </a:ln>
-        </p:spPr>
-      </p:sp>
-      <p:sp>
-        <p:nvSpPr>
-          <p:cNvPr id="203" name="PlaceHolder 2"/>
+            <a:ext cx="4798440" cy="3598200"/>
+          </a:xfrm>
+          <a:prstGeom prst="rect">
+            <a:avLst/>
+          </a:prstGeom>
+          <a:ln w="0">
+            <a:noFill/>
+          </a:ln>
+        </p:spPr>
+      </p:sp>
+      <p:sp>
+        <p:nvSpPr>
+          <p:cNvPr id="200" name="PlaceHolder 2"/>
           <p:cNvSpPr>
             <a:spLocks noGrp="1"/>
           </p:cNvSpPr>
@@ -1821,7 +1821,7 @@
         <p:spPr>
           <a:xfrm>
             <a:off x="756000" y="5145120"/>
-            <a:ext cx="6039360" cy="4201560"/>
+            <a:ext cx="6038640" cy="4200840"/>
           </a:xfrm>
           <a:prstGeom prst="rect">
             <a:avLst/>
@@ -1844,14 +1844,14 @@
       </p:sp>
       <p:sp>
         <p:nvSpPr>
-          <p:cNvPr id="204" name="CustomShape 14"/>
+          <p:cNvPr id="201" name="CustomShape 14"/>
           <p:cNvSpPr/>
           <p:nvPr/>
         </p:nvSpPr>
         <p:spPr>
           <a:xfrm>
             <a:off x="0" y="10155240"/>
-            <a:ext cx="3267720" cy="528120"/>
+            <a:ext cx="3267000" cy="527400"/>
           </a:xfrm>
           <a:prstGeom prst="rect">
             <a:avLst/>
@@ -1918,7 +1918,7 @@
       </p:grpSpPr>
       <p:sp>
         <p:nvSpPr>
-          <p:cNvPr id="205" name="PlaceHolder 1"/>
+          <p:cNvPr id="202" name="PlaceHolder 1"/>
           <p:cNvSpPr>
             <a:spLocks noGrp="1"/>
           </p:cNvSpPr>
@@ -1929,19 +1929,19 @@
         <p:spPr>
           <a:xfrm>
             <a:off x="1376280" y="1336680"/>
-            <a:ext cx="4799160" cy="3598920"/>
-          </a:xfrm>
-          <a:prstGeom prst="rect">
-            <a:avLst/>
-          </a:prstGeom>
-          <a:ln w="0">
-            <a:noFill/>
-          </a:ln>
-        </p:spPr>
-      </p:sp>
-      <p:sp>
-        <p:nvSpPr>
-          <p:cNvPr id="206" name="PlaceHolder 2"/>
+            <a:ext cx="4798440" cy="3598200"/>
+          </a:xfrm>
+          <a:prstGeom prst="rect">
+            <a:avLst/>
+          </a:prstGeom>
+          <a:ln w="0">
+            <a:noFill/>
+          </a:ln>
+        </p:spPr>
+      </p:sp>
+      <p:sp>
+        <p:nvSpPr>
+          <p:cNvPr id="203" name="PlaceHolder 2"/>
           <p:cNvSpPr>
             <a:spLocks noGrp="1"/>
           </p:cNvSpPr>
@@ -1952,7 +1952,7 @@
         <p:spPr>
           <a:xfrm>
             <a:off x="756000" y="5145120"/>
-            <a:ext cx="6039360" cy="4201560"/>
+            <a:ext cx="6038640" cy="4200840"/>
           </a:xfrm>
           <a:prstGeom prst="rect">
             <a:avLst/>
@@ -1975,14 +1975,14 @@
       </p:sp>
       <p:sp>
         <p:nvSpPr>
-          <p:cNvPr id="207" name="CustomShape 19"/>
+          <p:cNvPr id="204" name="CustomShape 19"/>
           <p:cNvSpPr/>
           <p:nvPr/>
         </p:nvSpPr>
         <p:spPr>
           <a:xfrm>
             <a:off x="0" y="10155240"/>
-            <a:ext cx="3267720" cy="528120"/>
+            <a:ext cx="3267000" cy="527400"/>
           </a:xfrm>
           <a:prstGeom prst="rect">
             <a:avLst/>
@@ -2049,7 +2049,7 @@
       </p:grpSpPr>
       <p:sp>
         <p:nvSpPr>
-          <p:cNvPr id="208" name="PlaceHolder 1"/>
+          <p:cNvPr id="205" name="PlaceHolder 1"/>
           <p:cNvSpPr>
             <a:spLocks noGrp="1"/>
           </p:cNvSpPr>
@@ -2060,19 +2060,19 @@
         <p:spPr>
           <a:xfrm>
             <a:off x="1376280" y="1336680"/>
-            <a:ext cx="4799160" cy="3598920"/>
-          </a:xfrm>
-          <a:prstGeom prst="rect">
-            <a:avLst/>
-          </a:prstGeom>
-          <a:ln w="0">
-            <a:noFill/>
-          </a:ln>
-        </p:spPr>
-      </p:sp>
-      <p:sp>
-        <p:nvSpPr>
-          <p:cNvPr id="209" name="PlaceHolder 2"/>
+            <a:ext cx="4798440" cy="3598200"/>
+          </a:xfrm>
+          <a:prstGeom prst="rect">
+            <a:avLst/>
+          </a:prstGeom>
+          <a:ln w="0">
+            <a:noFill/>
+          </a:ln>
+        </p:spPr>
+      </p:sp>
+      <p:sp>
+        <p:nvSpPr>
+          <p:cNvPr id="206" name="PlaceHolder 2"/>
           <p:cNvSpPr>
             <a:spLocks noGrp="1"/>
           </p:cNvSpPr>
@@ -2083,7 +2083,7 @@
         <p:spPr>
           <a:xfrm>
             <a:off x="756000" y="5145120"/>
-            <a:ext cx="6039360" cy="4201560"/>
+            <a:ext cx="6038640" cy="4200840"/>
           </a:xfrm>
           <a:prstGeom prst="rect">
             <a:avLst/>
@@ -2106,14 +2106,14 @@
       </p:sp>
       <p:sp>
         <p:nvSpPr>
-          <p:cNvPr id="210" name="CustomShape 24"/>
+          <p:cNvPr id="207" name="CustomShape 24"/>
           <p:cNvSpPr/>
           <p:nvPr/>
         </p:nvSpPr>
         <p:spPr>
           <a:xfrm>
             <a:off x="0" y="10155240"/>
-            <a:ext cx="3267720" cy="528120"/>
+            <a:ext cx="3267000" cy="527400"/>
           </a:xfrm>
           <a:prstGeom prst="rect">
             <a:avLst/>
@@ -2180,7 +2180,7 @@
       </p:grpSpPr>
       <p:sp>
         <p:nvSpPr>
-          <p:cNvPr id="211" name="PlaceHolder 1"/>
+          <p:cNvPr id="208" name="PlaceHolder 1"/>
           <p:cNvSpPr>
             <a:spLocks noGrp="1"/>
           </p:cNvSpPr>
@@ -2191,19 +2191,19 @@
         <p:spPr>
           <a:xfrm>
             <a:off x="1376280" y="1336680"/>
-            <a:ext cx="4799160" cy="3598920"/>
-          </a:xfrm>
-          <a:prstGeom prst="rect">
-            <a:avLst/>
-          </a:prstGeom>
-          <a:ln w="0">
-            <a:noFill/>
-          </a:ln>
-        </p:spPr>
-      </p:sp>
-      <p:sp>
-        <p:nvSpPr>
-          <p:cNvPr id="212" name="PlaceHolder 2"/>
+            <a:ext cx="4798440" cy="3598200"/>
+          </a:xfrm>
+          <a:prstGeom prst="rect">
+            <a:avLst/>
+          </a:prstGeom>
+          <a:ln w="0">
+            <a:noFill/>
+          </a:ln>
+        </p:spPr>
+      </p:sp>
+      <p:sp>
+        <p:nvSpPr>
+          <p:cNvPr id="209" name="PlaceHolder 2"/>
           <p:cNvSpPr>
             <a:spLocks noGrp="1"/>
           </p:cNvSpPr>
@@ -2214,7 +2214,7 @@
         <p:spPr>
           <a:xfrm>
             <a:off x="756000" y="5145120"/>
-            <a:ext cx="6039360" cy="4201560"/>
+            <a:ext cx="6038640" cy="4200840"/>
           </a:xfrm>
           <a:prstGeom prst="rect">
             <a:avLst/>
@@ -2237,14 +2237,14 @@
       </p:sp>
       <p:sp>
         <p:nvSpPr>
-          <p:cNvPr id="213" name="CustomShape 29"/>
+          <p:cNvPr id="210" name="CustomShape 29"/>
           <p:cNvSpPr/>
           <p:nvPr/>
         </p:nvSpPr>
         <p:spPr>
           <a:xfrm>
             <a:off x="0" y="10155240"/>
-            <a:ext cx="3267720" cy="528120"/>
+            <a:ext cx="3267000" cy="527400"/>
           </a:xfrm>
           <a:prstGeom prst="rect">
             <a:avLst/>
@@ -2311,7 +2311,7 @@
       </p:grpSpPr>
       <p:sp>
         <p:nvSpPr>
-          <p:cNvPr id="214" name="PlaceHolder 1"/>
+          <p:cNvPr id="211" name="PlaceHolder 1"/>
           <p:cNvSpPr>
             <a:spLocks noGrp="1"/>
           </p:cNvSpPr>
@@ -2322,19 +2322,19 @@
         <p:spPr>
           <a:xfrm>
             <a:off x="1376280" y="1336680"/>
-            <a:ext cx="4799160" cy="3598920"/>
-          </a:xfrm>
-          <a:prstGeom prst="rect">
-            <a:avLst/>
-          </a:prstGeom>
-          <a:ln w="0">
-            <a:noFill/>
-          </a:ln>
-        </p:spPr>
-      </p:sp>
-      <p:sp>
-        <p:nvSpPr>
-          <p:cNvPr id="215" name="PlaceHolder 2"/>
+            <a:ext cx="4798440" cy="3598200"/>
+          </a:xfrm>
+          <a:prstGeom prst="rect">
+            <a:avLst/>
+          </a:prstGeom>
+          <a:ln w="0">
+            <a:noFill/>
+          </a:ln>
+        </p:spPr>
+      </p:sp>
+      <p:sp>
+        <p:nvSpPr>
+          <p:cNvPr id="212" name="PlaceHolder 2"/>
           <p:cNvSpPr>
             <a:spLocks noGrp="1"/>
           </p:cNvSpPr>
@@ -2345,7 +2345,7 @@
         <p:spPr>
           <a:xfrm>
             <a:off x="756000" y="5145120"/>
-            <a:ext cx="6039360" cy="4201560"/>
+            <a:ext cx="6038640" cy="4200840"/>
           </a:xfrm>
           <a:prstGeom prst="rect">
             <a:avLst/>
@@ -2368,14 +2368,14 @@
       </p:sp>
       <p:sp>
         <p:nvSpPr>
-          <p:cNvPr id="216" name="CustomShape 34"/>
+          <p:cNvPr id="213" name="CustomShape 34"/>
           <p:cNvSpPr/>
           <p:nvPr/>
         </p:nvSpPr>
         <p:spPr>
           <a:xfrm>
             <a:off x="0" y="10155240"/>
-            <a:ext cx="3267720" cy="528120"/>
+            <a:ext cx="3267000" cy="527400"/>
           </a:xfrm>
           <a:prstGeom prst="rect">
             <a:avLst/>
@@ -2442,7 +2442,7 @@
       </p:grpSpPr>
       <p:sp>
         <p:nvSpPr>
-          <p:cNvPr id="217" name="PlaceHolder 1"/>
+          <p:cNvPr id="214" name="PlaceHolder 1"/>
           <p:cNvSpPr>
             <a:spLocks noGrp="1"/>
           </p:cNvSpPr>
@@ -2453,19 +2453,19 @@
         <p:spPr>
           <a:xfrm>
             <a:off x="1376280" y="1336680"/>
-            <a:ext cx="4799160" cy="3598920"/>
-          </a:xfrm>
-          <a:prstGeom prst="rect">
-            <a:avLst/>
-          </a:prstGeom>
-          <a:ln w="0">
-            <a:noFill/>
-          </a:ln>
-        </p:spPr>
-      </p:sp>
-      <p:sp>
-        <p:nvSpPr>
-          <p:cNvPr id="218" name="PlaceHolder 2"/>
+            <a:ext cx="4798440" cy="3598200"/>
+          </a:xfrm>
+          <a:prstGeom prst="rect">
+            <a:avLst/>
+          </a:prstGeom>
+          <a:ln w="0">
+            <a:noFill/>
+          </a:ln>
+        </p:spPr>
+      </p:sp>
+      <p:sp>
+        <p:nvSpPr>
+          <p:cNvPr id="215" name="PlaceHolder 2"/>
           <p:cNvSpPr>
             <a:spLocks noGrp="1"/>
           </p:cNvSpPr>
@@ -2476,7 +2476,7 @@
         <p:spPr>
           <a:xfrm>
             <a:off x="756000" y="5145120"/>
-            <a:ext cx="6039360" cy="4201560"/>
+            <a:ext cx="6038640" cy="4200840"/>
           </a:xfrm>
           <a:prstGeom prst="rect">
             <a:avLst/>
@@ -2499,14 +2499,14 @@
       </p:sp>
       <p:sp>
         <p:nvSpPr>
-          <p:cNvPr id="219" name="CustomShape 39"/>
+          <p:cNvPr id="216" name="CustomShape 39"/>
           <p:cNvSpPr/>
           <p:nvPr/>
         </p:nvSpPr>
         <p:spPr>
           <a:xfrm>
             <a:off x="0" y="10155240"/>
-            <a:ext cx="3267720" cy="528120"/>
+            <a:ext cx="3267000" cy="527400"/>
           </a:xfrm>
           <a:prstGeom prst="rect">
             <a:avLst/>
@@ -5635,7 +5635,7 @@
         <p:spPr>
           <a:xfrm>
             <a:off x="0" y="3150000"/>
-            <a:ext cx="9711720" cy="1251720"/>
+            <a:ext cx="9711000" cy="1251000"/>
           </a:xfrm>
           <a:prstGeom prst="rect">
             <a:avLst/>
@@ -5933,7 +5933,7 @@
         <p:spPr>
           <a:xfrm>
             <a:off x="0" y="180000"/>
-            <a:ext cx="9711720" cy="1251720"/>
+            <a:ext cx="9711000" cy="1251000"/>
           </a:xfrm>
           <a:prstGeom prst="rect">
             <a:avLst/>
@@ -5961,7 +5961,7 @@
         <p:spPr>
           <a:xfrm>
             <a:off x="7560000" y="6840000"/>
-            <a:ext cx="2511720" cy="531720"/>
+            <a:ext cx="2511000" cy="531000"/>
           </a:xfrm>
           <a:prstGeom prst="rect">
             <a:avLst/>
@@ -5989,7 +5989,7 @@
         <p:spPr>
           <a:xfrm>
             <a:off x="900000" y="6840000"/>
-            <a:ext cx="6471720" cy="531720"/>
+            <a:ext cx="6471000" cy="531000"/>
           </a:xfrm>
           <a:prstGeom prst="rect">
             <a:avLst/>
@@ -6017,7 +6017,7 @@
         <p:spPr>
           <a:xfrm>
             <a:off x="180000" y="6840000"/>
-            <a:ext cx="531720" cy="531720"/>
+            <a:ext cx="531000" cy="531000"/>
           </a:xfrm>
           <a:prstGeom prst="rect">
             <a:avLst/>
@@ -6306,7 +6306,7 @@
         <p:spPr>
           <a:xfrm>
             <a:off x="360000" y="3330000"/>
-            <a:ext cx="9351720" cy="891720"/>
+            <a:ext cx="9351000" cy="891000"/>
           </a:xfrm>
           <a:prstGeom prst="rect">
             <a:avLst/>
@@ -6358,7 +6358,7 @@
         <p:spPr>
           <a:xfrm>
             <a:off x="540000" y="4680000"/>
-            <a:ext cx="9171720" cy="2511720"/>
+            <a:ext cx="9171000" cy="2511000"/>
           </a:xfrm>
           <a:prstGeom prst="rect">
             <a:avLst/>
@@ -6590,14 +6590,14 @@
       </p:grpSpPr>
       <p:sp>
         <p:nvSpPr>
-          <p:cNvPr id="145" name="CustomShape 40"/>
+          <p:cNvPr id="142" name="CustomShape 40"/>
           <p:cNvSpPr/>
           <p:nvPr/>
         </p:nvSpPr>
         <p:spPr>
           <a:xfrm>
             <a:off x="360000" y="360000"/>
-            <a:ext cx="9351720" cy="891720"/>
+            <a:ext cx="9351000" cy="891000"/>
           </a:xfrm>
           <a:prstGeom prst="rect">
             <a:avLst/>
@@ -6642,14 +6642,14 @@
       </p:sp>
       <p:sp>
         <p:nvSpPr>
-          <p:cNvPr id="146" name="CustomShape 41"/>
+          <p:cNvPr id="143" name="CustomShape 41"/>
           <p:cNvSpPr/>
           <p:nvPr/>
         </p:nvSpPr>
         <p:spPr>
           <a:xfrm>
             <a:off x="360000" y="1980000"/>
-            <a:ext cx="9171720" cy="4671720"/>
+            <a:ext cx="9171000" cy="4671000"/>
           </a:xfrm>
           <a:prstGeom prst="rect">
             <a:avLst/>
@@ -6701,14 +6701,14 @@
       </p:sp>
       <p:sp>
         <p:nvSpPr>
-          <p:cNvPr id="147" name="CustomShape 42"/>
+          <p:cNvPr id="144" name="CustomShape 42"/>
           <p:cNvSpPr/>
           <p:nvPr/>
         </p:nvSpPr>
         <p:spPr>
           <a:xfrm>
             <a:off x="897120" y="6886080"/>
-            <a:ext cx="6438960" cy="356760"/>
+            <a:ext cx="6438240" cy="356040"/>
           </a:xfrm>
           <a:prstGeom prst="rect">
             <a:avLst/>
@@ -6753,14 +6753,14 @@
       </p:sp>
       <p:sp>
         <p:nvSpPr>
-          <p:cNvPr id="148" name="CustomShape 43"/>
+          <p:cNvPr id="145" name="CustomShape 43"/>
           <p:cNvSpPr/>
           <p:nvPr/>
         </p:nvSpPr>
         <p:spPr>
           <a:xfrm>
             <a:off x="7608600" y="6886080"/>
-            <a:ext cx="2277000" cy="356760"/>
+            <a:ext cx="2276280" cy="356040"/>
           </a:xfrm>
           <a:prstGeom prst="rect">
             <a:avLst/>
@@ -6805,14 +6805,14 @@
       </p:sp>
       <p:sp>
         <p:nvSpPr>
-          <p:cNvPr id="149" name=""/>
+          <p:cNvPr id="146" name=""/>
           <p:cNvSpPr/>
           <p:nvPr/>
         </p:nvSpPr>
         <p:spPr>
           <a:xfrm>
             <a:off x="327960" y="1553760"/>
-            <a:ext cx="9192960" cy="5127480"/>
+            <a:ext cx="9192240" cy="5126760"/>
           </a:xfrm>
           <a:prstGeom prst="rect">
             <a:avLst/>
@@ -7173,14 +7173,14 @@
       </p:grpSpPr>
       <p:sp>
         <p:nvSpPr>
-          <p:cNvPr id="150" name="CustomShape 45"/>
+          <p:cNvPr id="147" name="CustomShape 45"/>
           <p:cNvSpPr/>
           <p:nvPr/>
         </p:nvSpPr>
         <p:spPr>
           <a:xfrm>
             <a:off x="360000" y="360000"/>
-            <a:ext cx="9351720" cy="891720"/>
+            <a:ext cx="9351000" cy="891000"/>
           </a:xfrm>
           <a:prstGeom prst="rect">
             <a:avLst/>
@@ -7225,14 +7225,14 @@
       </p:sp>
       <p:sp>
         <p:nvSpPr>
-          <p:cNvPr id="151" name="CustomShape 46"/>
+          <p:cNvPr id="148" name="CustomShape 46"/>
           <p:cNvSpPr/>
           <p:nvPr/>
         </p:nvSpPr>
         <p:spPr>
           <a:xfrm>
             <a:off x="360000" y="1980000"/>
-            <a:ext cx="9171720" cy="4671720"/>
+            <a:ext cx="9171000" cy="4671000"/>
           </a:xfrm>
           <a:prstGeom prst="rect">
             <a:avLst/>
@@ -7284,14 +7284,14 @@
       </p:sp>
       <p:sp>
         <p:nvSpPr>
-          <p:cNvPr id="152" name="CustomShape 47"/>
+          <p:cNvPr id="149" name="CustomShape 47"/>
           <p:cNvSpPr/>
           <p:nvPr/>
         </p:nvSpPr>
         <p:spPr>
           <a:xfrm>
             <a:off x="897120" y="6886080"/>
-            <a:ext cx="6438960" cy="356760"/>
+            <a:ext cx="6438240" cy="356040"/>
           </a:xfrm>
           <a:prstGeom prst="rect">
             <a:avLst/>
@@ -7336,14 +7336,14 @@
       </p:sp>
       <p:sp>
         <p:nvSpPr>
-          <p:cNvPr id="153" name="CustomShape 48"/>
+          <p:cNvPr id="150" name="CustomShape 48"/>
           <p:cNvSpPr/>
           <p:nvPr/>
         </p:nvSpPr>
         <p:spPr>
           <a:xfrm>
             <a:off x="7608600" y="6886080"/>
-            <a:ext cx="2277000" cy="356760"/>
+            <a:ext cx="2276280" cy="356040"/>
           </a:xfrm>
           <a:prstGeom prst="rect">
             <a:avLst/>
@@ -7388,14 +7388,14 @@
       </p:sp>
       <p:sp>
         <p:nvSpPr>
-          <p:cNvPr id="154" name=""/>
+          <p:cNvPr id="151" name=""/>
           <p:cNvSpPr/>
           <p:nvPr/>
         </p:nvSpPr>
         <p:spPr>
           <a:xfrm>
             <a:off x="327600" y="1553760"/>
-            <a:ext cx="9192960" cy="5127480"/>
+            <a:ext cx="9192240" cy="5126760"/>
           </a:xfrm>
           <a:prstGeom prst="rect">
             <a:avLst/>
@@ -7656,14 +7656,14 @@
       </p:sp>
       <p:sp>
         <p:nvSpPr>
-          <p:cNvPr id="155" name=""/>
+          <p:cNvPr id="152" name=""/>
           <p:cNvSpPr/>
           <p:nvPr/>
         </p:nvSpPr>
         <p:spPr>
           <a:xfrm>
             <a:off x="3501720" y="1623960"/>
-            <a:ext cx="6264720" cy="353880"/>
+            <a:ext cx="6264000" cy="353160"/>
           </a:xfrm>
           <a:prstGeom prst="rect">
             <a:avLst/>
@@ -7708,7 +7708,7 @@
       </p:sp>
       <p:pic>
         <p:nvPicPr>
-          <p:cNvPr id="156" name="" descr=""/>
+          <p:cNvPr id="153" name="" descr=""/>
           <p:cNvPicPr/>
           <p:nvPr/>
         </p:nvPicPr>
@@ -7719,7 +7719,7 @@
         <p:spPr>
           <a:xfrm>
             <a:off x="5984280" y="1973520"/>
-            <a:ext cx="3584160" cy="4801680"/>
+            <a:ext cx="3583440" cy="4800960"/>
           </a:xfrm>
           <a:prstGeom prst="rect">
             <a:avLst/>
@@ -7761,14 +7761,14 @@
       </p:grpSpPr>
       <p:sp>
         <p:nvSpPr>
-          <p:cNvPr id="157" name="CustomShape 80"/>
+          <p:cNvPr id="154" name="CustomShape 80"/>
           <p:cNvSpPr/>
           <p:nvPr/>
         </p:nvSpPr>
         <p:spPr>
           <a:xfrm>
             <a:off x="360000" y="360000"/>
-            <a:ext cx="9351720" cy="891720"/>
+            <a:ext cx="9351000" cy="891000"/>
           </a:xfrm>
           <a:prstGeom prst="rect">
             <a:avLst/>
@@ -7813,14 +7813,14 @@
       </p:sp>
       <p:sp>
         <p:nvSpPr>
-          <p:cNvPr id="158" name="CustomShape 81"/>
+          <p:cNvPr id="155" name="CustomShape 81"/>
           <p:cNvSpPr/>
           <p:nvPr/>
         </p:nvSpPr>
         <p:spPr>
           <a:xfrm>
             <a:off x="360000" y="1980000"/>
-            <a:ext cx="9171720" cy="4671720"/>
+            <a:ext cx="9171000" cy="4671000"/>
           </a:xfrm>
           <a:prstGeom prst="rect">
             <a:avLst/>
@@ -7872,14 +7872,14 @@
       </p:sp>
       <p:sp>
         <p:nvSpPr>
-          <p:cNvPr id="159" name="CustomShape 82"/>
+          <p:cNvPr id="156" name="CustomShape 82"/>
           <p:cNvSpPr/>
           <p:nvPr/>
         </p:nvSpPr>
         <p:spPr>
           <a:xfrm>
             <a:off x="897120" y="6886080"/>
-            <a:ext cx="6438960" cy="356760"/>
+            <a:ext cx="6438240" cy="356040"/>
           </a:xfrm>
           <a:prstGeom prst="rect">
             <a:avLst/>
@@ -7924,14 +7924,14 @@
       </p:sp>
       <p:sp>
         <p:nvSpPr>
-          <p:cNvPr id="160" name="CustomShape 83"/>
+          <p:cNvPr id="157" name="CustomShape 83"/>
           <p:cNvSpPr/>
           <p:nvPr/>
         </p:nvSpPr>
         <p:spPr>
           <a:xfrm>
             <a:off x="7608600" y="6886080"/>
-            <a:ext cx="2277000" cy="356760"/>
+            <a:ext cx="2276280" cy="356040"/>
           </a:xfrm>
           <a:prstGeom prst="rect">
             <a:avLst/>
@@ -7976,14 +7976,14 @@
       </p:sp>
       <p:sp>
         <p:nvSpPr>
-          <p:cNvPr id="161" name=""/>
+          <p:cNvPr id="158" name=""/>
           <p:cNvSpPr/>
           <p:nvPr/>
         </p:nvSpPr>
         <p:spPr>
           <a:xfrm>
             <a:off x="327600" y="1553760"/>
-            <a:ext cx="9192960" cy="5127480"/>
+            <a:ext cx="9192240" cy="5126760"/>
           </a:xfrm>
           <a:prstGeom prst="rect">
             <a:avLst/>
@@ -8426,7 +8426,7 @@
       </p:sp>
       <p:pic>
         <p:nvPicPr>
-          <p:cNvPr id="162" name="" descr=""/>
+          <p:cNvPr id="159" name="" descr=""/>
           <p:cNvPicPr/>
           <p:nvPr/>
         </p:nvPicPr>
@@ -8437,7 +8437,7 @@
         <p:spPr>
           <a:xfrm>
             <a:off x="6247080" y="2325600"/>
-            <a:ext cx="3321360" cy="4449600"/>
+            <a:ext cx="3320640" cy="4448880"/>
           </a:xfrm>
           <a:prstGeom prst="rect">
             <a:avLst/>
@@ -8449,14 +8449,14 @@
       </p:pic>
       <p:sp>
         <p:nvSpPr>
-          <p:cNvPr id="163" name=""/>
+          <p:cNvPr id="160" name=""/>
           <p:cNvSpPr/>
           <p:nvPr/>
         </p:nvSpPr>
         <p:spPr>
           <a:xfrm>
             <a:off x="3501720" y="1623960"/>
-            <a:ext cx="6264720" cy="353880"/>
+            <a:ext cx="6264000" cy="353160"/>
           </a:xfrm>
           <a:prstGeom prst="rect">
             <a:avLst/>
@@ -8531,14 +8531,14 @@
       </p:grpSpPr>
       <p:sp>
         <p:nvSpPr>
-          <p:cNvPr id="164" name="CustomShape 50"/>
+          <p:cNvPr id="161" name="CustomShape 50"/>
           <p:cNvSpPr/>
           <p:nvPr/>
         </p:nvSpPr>
         <p:spPr>
           <a:xfrm>
             <a:off x="360000" y="360000"/>
-            <a:ext cx="9351720" cy="891720"/>
+            <a:ext cx="9351000" cy="891000"/>
           </a:xfrm>
           <a:prstGeom prst="rect">
             <a:avLst/>
@@ -8583,14 +8583,14 @@
       </p:sp>
       <p:sp>
         <p:nvSpPr>
-          <p:cNvPr id="165" name="CustomShape 52"/>
+          <p:cNvPr id="162" name="CustomShape 52"/>
           <p:cNvSpPr/>
           <p:nvPr/>
         </p:nvSpPr>
         <p:spPr>
           <a:xfrm>
             <a:off x="897120" y="6886080"/>
-            <a:ext cx="6438960" cy="356760"/>
+            <a:ext cx="6438240" cy="356040"/>
           </a:xfrm>
           <a:prstGeom prst="rect">
             <a:avLst/>
@@ -8635,14 +8635,14 @@
       </p:sp>
       <p:sp>
         <p:nvSpPr>
-          <p:cNvPr id="166" name="CustomShape 53"/>
+          <p:cNvPr id="163" name="CustomShape 53"/>
           <p:cNvSpPr/>
           <p:nvPr/>
         </p:nvSpPr>
         <p:spPr>
           <a:xfrm>
             <a:off x="7608600" y="6886080"/>
-            <a:ext cx="2277000" cy="356760"/>
+            <a:ext cx="2276280" cy="356040"/>
           </a:xfrm>
           <a:prstGeom prst="rect">
             <a:avLst/>
@@ -8687,14 +8687,14 @@
       </p:sp>
       <p:sp>
         <p:nvSpPr>
-          <p:cNvPr id="167" name=""/>
+          <p:cNvPr id="164" name=""/>
           <p:cNvSpPr/>
           <p:nvPr/>
         </p:nvSpPr>
         <p:spPr>
           <a:xfrm>
             <a:off x="327600" y="1553760"/>
-            <a:ext cx="9192960" cy="5127480"/>
+            <a:ext cx="9192240" cy="5126760"/>
           </a:xfrm>
           <a:prstGeom prst="rect">
             <a:avLst/>
@@ -9177,7 +9177,7 @@
       </p:sp>
       <p:pic>
         <p:nvPicPr>
-          <p:cNvPr id="168" name="" descr=""/>
+          <p:cNvPr id="165" name="" descr=""/>
           <p:cNvPicPr/>
           <p:nvPr/>
         </p:nvPicPr>
@@ -9188,7 +9188,7 @@
         <p:spPr>
           <a:xfrm>
             <a:off x="6463800" y="2325600"/>
-            <a:ext cx="3104640" cy="4159080"/>
+            <a:ext cx="3103920" cy="4158360"/>
           </a:xfrm>
           <a:prstGeom prst="rect">
             <a:avLst/>
@@ -9200,14 +9200,14 @@
       </p:pic>
       <p:sp>
         <p:nvSpPr>
-          <p:cNvPr id="169" name=""/>
+          <p:cNvPr id="166" name=""/>
           <p:cNvSpPr/>
           <p:nvPr/>
         </p:nvSpPr>
         <p:spPr>
           <a:xfrm>
             <a:off x="3501720" y="1623960"/>
-            <a:ext cx="6264720" cy="353880"/>
+            <a:ext cx="6264000" cy="353160"/>
           </a:xfrm>
           <a:prstGeom prst="rect">
             <a:avLst/>
@@ -9282,14 +9282,14 @@
       </p:grpSpPr>
       <p:sp>
         <p:nvSpPr>
-          <p:cNvPr id="170" name="CustomShape 55"/>
+          <p:cNvPr id="167" name="CustomShape 55"/>
           <p:cNvSpPr/>
           <p:nvPr/>
         </p:nvSpPr>
         <p:spPr>
           <a:xfrm>
             <a:off x="360000" y="360000"/>
-            <a:ext cx="9351720" cy="891720"/>
+            <a:ext cx="9351000" cy="891000"/>
           </a:xfrm>
           <a:prstGeom prst="rect">
             <a:avLst/>
@@ -9334,14 +9334,14 @@
       </p:sp>
       <p:sp>
         <p:nvSpPr>
-          <p:cNvPr id="171" name="CustomShape 56"/>
+          <p:cNvPr id="168" name="CustomShape 56"/>
           <p:cNvSpPr/>
           <p:nvPr/>
         </p:nvSpPr>
         <p:spPr>
           <a:xfrm>
             <a:off x="360000" y="1980000"/>
-            <a:ext cx="9171720" cy="4671720"/>
+            <a:ext cx="9171000" cy="4671000"/>
           </a:xfrm>
           <a:prstGeom prst="rect">
             <a:avLst/>
@@ -9393,14 +9393,14 @@
       </p:sp>
       <p:sp>
         <p:nvSpPr>
-          <p:cNvPr id="172" name="CustomShape 57"/>
+          <p:cNvPr id="169" name="CustomShape 57"/>
           <p:cNvSpPr/>
           <p:nvPr/>
         </p:nvSpPr>
         <p:spPr>
           <a:xfrm>
             <a:off x="897120" y="6886080"/>
-            <a:ext cx="6438960" cy="356760"/>
+            <a:ext cx="6438240" cy="356040"/>
           </a:xfrm>
           <a:prstGeom prst="rect">
             <a:avLst/>
@@ -9445,14 +9445,14 @@
       </p:sp>
       <p:sp>
         <p:nvSpPr>
-          <p:cNvPr id="173" name="CustomShape 58"/>
+          <p:cNvPr id="170" name="CustomShape 58"/>
           <p:cNvSpPr/>
           <p:nvPr/>
         </p:nvSpPr>
         <p:spPr>
           <a:xfrm>
             <a:off x="7608600" y="6886080"/>
-            <a:ext cx="2277000" cy="356760"/>
+            <a:ext cx="2276280" cy="356040"/>
           </a:xfrm>
           <a:prstGeom prst="rect">
             <a:avLst/>
@@ -9497,14 +9497,14 @@
       </p:sp>
       <p:sp>
         <p:nvSpPr>
-          <p:cNvPr id="174" name=""/>
+          <p:cNvPr id="171" name=""/>
           <p:cNvSpPr/>
           <p:nvPr/>
         </p:nvSpPr>
         <p:spPr>
           <a:xfrm>
             <a:off x="327960" y="1553760"/>
-            <a:ext cx="9192960" cy="5127480"/>
+            <a:ext cx="9192240" cy="5126760"/>
           </a:xfrm>
           <a:prstGeom prst="rect">
             <a:avLst/>
@@ -9634,17 +9634,7 @@
                 <a:latin typeface="Latin Modern Sans"/>
                 <a:ea typeface="DejaVu Sans"/>
               </a:rPr>
-              <a:t>Logo, </a:t>
-            </a:r>
-            <a:r>
-              <a:rPr b="0" lang="pt-BR" sz="1800" spc="-1" strike="noStrike">
-                <a:solidFill>
-                  <a:srgbClr val="1c1c1c"/>
-                </a:solidFill>
-                <a:latin typeface="Latin Modern Sans"/>
-                <a:ea typeface="DejaVu Sans"/>
-              </a:rPr>
-              <a:t>Outlook tem mais ganho de informação</a:t>
+              <a:t>Logo, Outlook tem mais ganho de informação</a:t>
             </a:r>
             <a:endParaRPr b="0" lang="pt-BR" sz="1800" spc="-1" strike="noStrike">
               <a:latin typeface="Arial"/>
@@ -9798,7 +9788,7 @@
       </p:sp>
       <p:pic>
         <p:nvPicPr>
-          <p:cNvPr id="175" name="" descr=""/>
+          <p:cNvPr id="172" name="" descr=""/>
           <p:cNvPicPr/>
           <p:nvPr/>
         </p:nvPicPr>
@@ -9809,7 +9799,7 @@
         <p:spPr>
           <a:xfrm>
             <a:off x="6275160" y="2185560"/>
-            <a:ext cx="3321360" cy="4449600"/>
+            <a:ext cx="3320640" cy="4448880"/>
           </a:xfrm>
           <a:prstGeom prst="rect">
             <a:avLst/>
@@ -9821,14 +9811,14 @@
       </p:pic>
       <p:sp>
         <p:nvSpPr>
-          <p:cNvPr id="176" name=""/>
+          <p:cNvPr id="173" name=""/>
           <p:cNvSpPr/>
           <p:nvPr/>
         </p:nvSpPr>
         <p:spPr>
           <a:xfrm>
             <a:off x="3501720" y="1623960"/>
-            <a:ext cx="6264720" cy="353880"/>
+            <a:ext cx="6264000" cy="353160"/>
           </a:xfrm>
           <a:prstGeom prst="rect">
             <a:avLst/>
@@ -9903,14 +9893,14 @@
       </p:grpSpPr>
       <p:sp>
         <p:nvSpPr>
-          <p:cNvPr id="177" name="CustomShape 60"/>
+          <p:cNvPr id="174" name="CustomShape 60"/>
           <p:cNvSpPr/>
           <p:nvPr/>
         </p:nvSpPr>
         <p:spPr>
           <a:xfrm>
             <a:off x="360000" y="360000"/>
-            <a:ext cx="9351720" cy="891720"/>
+            <a:ext cx="9351000" cy="891000"/>
           </a:xfrm>
           <a:prstGeom prst="rect">
             <a:avLst/>
@@ -9955,14 +9945,14 @@
       </p:sp>
       <p:sp>
         <p:nvSpPr>
-          <p:cNvPr id="178" name="CustomShape 61"/>
+          <p:cNvPr id="175" name="CustomShape 61"/>
           <p:cNvSpPr/>
           <p:nvPr/>
         </p:nvSpPr>
         <p:spPr>
           <a:xfrm>
             <a:off x="360000" y="1980000"/>
-            <a:ext cx="9171720" cy="4671720"/>
+            <a:ext cx="9171000" cy="4671000"/>
           </a:xfrm>
           <a:prstGeom prst="rect">
             <a:avLst/>
@@ -10014,14 +10004,14 @@
       </p:sp>
       <p:sp>
         <p:nvSpPr>
-          <p:cNvPr id="179" name="CustomShape 62"/>
+          <p:cNvPr id="176" name="CustomShape 62"/>
           <p:cNvSpPr/>
           <p:nvPr/>
         </p:nvSpPr>
         <p:spPr>
           <a:xfrm>
             <a:off x="897120" y="6886080"/>
-            <a:ext cx="6438960" cy="356760"/>
+            <a:ext cx="6438240" cy="356040"/>
           </a:xfrm>
           <a:prstGeom prst="rect">
             <a:avLst/>
@@ -10066,14 +10056,14 @@
       </p:sp>
       <p:sp>
         <p:nvSpPr>
-          <p:cNvPr id="180" name="CustomShape 63"/>
+          <p:cNvPr id="177" name="CustomShape 63"/>
           <p:cNvSpPr/>
           <p:nvPr/>
         </p:nvSpPr>
         <p:spPr>
           <a:xfrm>
             <a:off x="7608600" y="6886080"/>
-            <a:ext cx="2277000" cy="356760"/>
+            <a:ext cx="2276280" cy="356040"/>
           </a:xfrm>
           <a:prstGeom prst="rect">
             <a:avLst/>
@@ -10118,14 +10108,14 @@
       </p:sp>
       <p:sp>
         <p:nvSpPr>
-          <p:cNvPr id="181" name=""/>
+          <p:cNvPr id="178" name=""/>
           <p:cNvSpPr/>
           <p:nvPr/>
         </p:nvSpPr>
         <p:spPr>
           <a:xfrm>
             <a:off x="327960" y="1553760"/>
-            <a:ext cx="9192960" cy="5127480"/>
+            <a:ext cx="9192240" cy="5126760"/>
           </a:xfrm>
           <a:prstGeom prst="rect">
             <a:avLst/>
@@ -10301,7 +10291,7 @@
       </p:sp>
       <p:pic>
         <p:nvPicPr>
-          <p:cNvPr id="182" name="" descr=""/>
+          <p:cNvPr id="179" name="" descr=""/>
           <p:cNvPicPr/>
           <p:nvPr/>
         </p:nvPicPr>
@@ -10312,7 +10302,7 @@
         <p:spPr>
           <a:xfrm>
             <a:off x="3060000" y="3918600"/>
-            <a:ext cx="4551840" cy="2780280"/>
+            <a:ext cx="4551120" cy="2779560"/>
           </a:xfrm>
           <a:prstGeom prst="rect">
             <a:avLst/>
@@ -10354,14 +10344,14 @@
       </p:grpSpPr>
       <p:sp>
         <p:nvSpPr>
-          <p:cNvPr id="183" name="CustomShape 65"/>
+          <p:cNvPr id="180" name="CustomShape 65"/>
           <p:cNvSpPr/>
           <p:nvPr/>
         </p:nvSpPr>
         <p:spPr>
           <a:xfrm>
             <a:off x="360000" y="360000"/>
-            <a:ext cx="9351720" cy="891720"/>
+            <a:ext cx="9351000" cy="891000"/>
           </a:xfrm>
           <a:prstGeom prst="rect">
             <a:avLst/>
@@ -10406,14 +10396,14 @@
       </p:sp>
       <p:sp>
         <p:nvSpPr>
-          <p:cNvPr id="184" name="CustomShape 66"/>
+          <p:cNvPr id="181" name="CustomShape 66"/>
           <p:cNvSpPr/>
           <p:nvPr/>
         </p:nvSpPr>
         <p:spPr>
           <a:xfrm>
             <a:off x="360000" y="1980000"/>
-            <a:ext cx="9171720" cy="4671720"/>
+            <a:ext cx="9171000" cy="4671000"/>
           </a:xfrm>
           <a:prstGeom prst="rect">
             <a:avLst/>
@@ -10465,14 +10455,14 @@
       </p:sp>
       <p:sp>
         <p:nvSpPr>
-          <p:cNvPr id="185" name="CustomShape 67"/>
+          <p:cNvPr id="182" name="CustomShape 67"/>
           <p:cNvSpPr/>
           <p:nvPr/>
         </p:nvSpPr>
         <p:spPr>
           <a:xfrm>
             <a:off x="897120" y="6886080"/>
-            <a:ext cx="6438960" cy="356760"/>
+            <a:ext cx="6438240" cy="356040"/>
           </a:xfrm>
           <a:prstGeom prst="rect">
             <a:avLst/>
@@ -10517,14 +10507,14 @@
       </p:sp>
       <p:sp>
         <p:nvSpPr>
-          <p:cNvPr id="186" name="CustomShape 68"/>
+          <p:cNvPr id="183" name="CustomShape 68"/>
           <p:cNvSpPr/>
           <p:nvPr/>
         </p:nvSpPr>
         <p:spPr>
           <a:xfrm>
             <a:off x="7608600" y="6886080"/>
-            <a:ext cx="2277000" cy="356760"/>
+            <a:ext cx="2276280" cy="356040"/>
           </a:xfrm>
           <a:prstGeom prst="rect">
             <a:avLst/>
@@ -10569,14 +10559,14 @@
       </p:sp>
       <p:sp>
         <p:nvSpPr>
-          <p:cNvPr id="187" name=""/>
+          <p:cNvPr id="184" name=""/>
           <p:cNvSpPr/>
           <p:nvPr/>
         </p:nvSpPr>
         <p:spPr>
           <a:xfrm>
             <a:off x="327960" y="1553760"/>
-            <a:ext cx="9192960" cy="5127480"/>
+            <a:ext cx="9192240" cy="5126760"/>
           </a:xfrm>
           <a:prstGeom prst="rect">
             <a:avLst/>
@@ -10871,14 +10861,14 @@
       </p:grpSpPr>
       <p:sp>
         <p:nvSpPr>
-          <p:cNvPr id="188" name="CustomShape 70"/>
+          <p:cNvPr id="185" name="CustomShape 70"/>
           <p:cNvSpPr/>
           <p:nvPr/>
         </p:nvSpPr>
         <p:spPr>
           <a:xfrm>
             <a:off x="360000" y="360000"/>
-            <a:ext cx="9351720" cy="891720"/>
+            <a:ext cx="9351000" cy="891000"/>
           </a:xfrm>
           <a:prstGeom prst="rect">
             <a:avLst/>
@@ -10923,14 +10913,14 @@
       </p:sp>
       <p:sp>
         <p:nvSpPr>
-          <p:cNvPr id="189" name="CustomShape 71"/>
+          <p:cNvPr id="186" name="CustomShape 71"/>
           <p:cNvSpPr/>
           <p:nvPr/>
         </p:nvSpPr>
         <p:spPr>
           <a:xfrm>
             <a:off x="360000" y="1980000"/>
-            <a:ext cx="9171720" cy="4671720"/>
+            <a:ext cx="9171000" cy="4671000"/>
           </a:xfrm>
           <a:prstGeom prst="rect">
             <a:avLst/>
@@ -10982,14 +10972,14 @@
       </p:sp>
       <p:sp>
         <p:nvSpPr>
-          <p:cNvPr id="190" name="CustomShape 72"/>
+          <p:cNvPr id="187" name="CustomShape 72"/>
           <p:cNvSpPr/>
           <p:nvPr/>
         </p:nvSpPr>
         <p:spPr>
           <a:xfrm>
             <a:off x="897120" y="6886080"/>
-            <a:ext cx="6438960" cy="356760"/>
+            <a:ext cx="6438240" cy="356040"/>
           </a:xfrm>
           <a:prstGeom prst="rect">
             <a:avLst/>
@@ -11034,14 +11024,14 @@
       </p:sp>
       <p:sp>
         <p:nvSpPr>
-          <p:cNvPr id="191" name="CustomShape 73"/>
+          <p:cNvPr id="188" name="CustomShape 73"/>
           <p:cNvSpPr/>
           <p:nvPr/>
         </p:nvSpPr>
         <p:spPr>
           <a:xfrm>
             <a:off x="7608600" y="6886080"/>
-            <a:ext cx="2277000" cy="356760"/>
+            <a:ext cx="2276280" cy="356040"/>
           </a:xfrm>
           <a:prstGeom prst="rect">
             <a:avLst/>
@@ -11086,14 +11076,14 @@
       </p:sp>
       <p:sp>
         <p:nvSpPr>
-          <p:cNvPr id="192" name=""/>
+          <p:cNvPr id="189" name=""/>
           <p:cNvSpPr/>
           <p:nvPr/>
         </p:nvSpPr>
         <p:spPr>
           <a:xfrm>
             <a:off x="327960" y="1553760"/>
-            <a:ext cx="9192960" cy="5127480"/>
+            <a:ext cx="9192240" cy="5126760"/>
           </a:xfrm>
           <a:prstGeom prst="rect">
             <a:avLst/>
@@ -11266,7 +11256,7 @@
         <p:spPr>
           <a:xfrm>
             <a:off x="360000" y="360000"/>
-            <a:ext cx="9351720" cy="891720"/>
+            <a:ext cx="9351000" cy="891000"/>
           </a:xfrm>
           <a:prstGeom prst="rect">
             <a:avLst/>
@@ -11318,7 +11308,7 @@
         <p:spPr>
           <a:xfrm>
             <a:off x="360000" y="1980000"/>
-            <a:ext cx="9171720" cy="4671720"/>
+            <a:ext cx="9171000" cy="4671000"/>
           </a:xfrm>
           <a:prstGeom prst="rect">
             <a:avLst/>
@@ -11508,7 +11498,7 @@
         <p:spPr>
           <a:xfrm>
             <a:off x="897120" y="6886080"/>
-            <a:ext cx="6438960" cy="356760"/>
+            <a:ext cx="6438240" cy="356040"/>
           </a:xfrm>
           <a:prstGeom prst="rect">
             <a:avLst/>
@@ -11560,7 +11550,7 @@
         <p:spPr>
           <a:xfrm>
             <a:off x="7608600" y="6886080"/>
-            <a:ext cx="2277000" cy="356760"/>
+            <a:ext cx="2276280" cy="356040"/>
           </a:xfrm>
           <a:prstGeom prst="rect">
             <a:avLst/>
@@ -11603,99 +11593,9 @@
           </a:p>
         </p:txBody>
       </p:sp>
-      <p:sp>
-        <p:nvSpPr>
-          <p:cNvPr id="93" name=""/>
-          <p:cNvSpPr/>
-          <p:nvPr/>
-        </p:nvSpPr>
-        <p:spPr>
-          <a:xfrm>
-            <a:off x="2520360" y="5508360"/>
-            <a:ext cx="266400" cy="266400"/>
-          </a:xfrm>
-          <a:prstGeom prst="ellipse">
-            <a:avLst/>
-          </a:prstGeom>
-          <a:solidFill>
-            <a:srgbClr val="00a933"/>
-          </a:solidFill>
-          <a:ln w="0">
-            <a:solidFill>
-              <a:srgbClr val="3465a4"/>
-            </a:solidFill>
-          </a:ln>
-        </p:spPr>
-        <p:style>
-          <a:lnRef idx="0"/>
-          <a:fillRef idx="0"/>
-          <a:effectRef idx="0"/>
-          <a:fontRef idx="minor"/>
-        </p:style>
-      </p:sp>
-      <p:sp>
-        <p:nvSpPr>
-          <p:cNvPr id="94" name=""/>
-          <p:cNvSpPr/>
-          <p:nvPr/>
-        </p:nvSpPr>
-        <p:spPr>
-          <a:xfrm>
-            <a:off x="2052360" y="5508360"/>
-            <a:ext cx="266400" cy="266400"/>
-          </a:xfrm>
-          <a:prstGeom prst="ellipse">
-            <a:avLst/>
-          </a:prstGeom>
-          <a:solidFill>
-            <a:srgbClr val="00a933"/>
-          </a:solidFill>
-          <a:ln w="0">
-            <a:solidFill>
-              <a:srgbClr val="3465a4"/>
-            </a:solidFill>
-          </a:ln>
-        </p:spPr>
-        <p:style>
-          <a:lnRef idx="0"/>
-          <a:fillRef idx="0"/>
-          <a:effectRef idx="0"/>
-          <a:fontRef idx="minor"/>
-        </p:style>
-      </p:sp>
-      <p:sp>
-        <p:nvSpPr>
-          <p:cNvPr id="95" name=""/>
-          <p:cNvSpPr/>
-          <p:nvPr/>
-        </p:nvSpPr>
-        <p:spPr>
-          <a:xfrm>
-            <a:off x="2988720" y="5508360"/>
-            <a:ext cx="266400" cy="266400"/>
-          </a:xfrm>
-          <a:prstGeom prst="ellipse">
-            <a:avLst/>
-          </a:prstGeom>
-          <a:solidFill>
-            <a:srgbClr val="00a933"/>
-          </a:solidFill>
-          <a:ln w="0">
-            <a:solidFill>
-              <a:srgbClr val="3465a4"/>
-            </a:solidFill>
-          </a:ln>
-        </p:spPr>
-        <p:style>
-          <a:lnRef idx="0"/>
-          <a:fillRef idx="0"/>
-          <a:effectRef idx="0"/>
-          <a:fontRef idx="minor"/>
-        </p:style>
-      </p:sp>
       <p:pic>
         <p:nvPicPr>
-          <p:cNvPr id="96" name="" descr=""/>
+          <p:cNvPr id="93" name="" descr=""/>
           <p:cNvPicPr/>
           <p:nvPr/>
         </p:nvPicPr>
@@ -11705,8 +11605,8 @@
         </p:blipFill>
         <p:spPr>
           <a:xfrm>
-            <a:off x="1523880" y="3819240"/>
-            <a:ext cx="7428600" cy="2218320"/>
+            <a:off x="1815480" y="4146120"/>
+            <a:ext cx="7184520" cy="2153880"/>
           </a:xfrm>
           <a:prstGeom prst="rect">
             <a:avLst/>
@@ -11748,7 +11648,7 @@
       </p:grpSpPr>
       <p:pic>
         <p:nvPicPr>
-          <p:cNvPr id="97" name="" descr=""/>
+          <p:cNvPr id="94" name="" descr=""/>
           <p:cNvPicPr/>
           <p:nvPr/>
         </p:nvPicPr>
@@ -11759,7 +11659,7 @@
         <p:spPr>
           <a:xfrm>
             <a:off x="784080" y="4832640"/>
-            <a:ext cx="4132080" cy="1846440"/>
+            <a:ext cx="4131360" cy="1845720"/>
           </a:xfrm>
           <a:prstGeom prst="rect">
             <a:avLst/>
@@ -11771,14 +11671,14 @@
       </p:pic>
       <p:sp>
         <p:nvSpPr>
-          <p:cNvPr id="98" name="CustomShape 8"/>
+          <p:cNvPr id="95" name="CustomShape 8"/>
           <p:cNvSpPr/>
           <p:nvPr/>
         </p:nvSpPr>
         <p:spPr>
           <a:xfrm>
             <a:off x="360000" y="360000"/>
-            <a:ext cx="9351720" cy="891720"/>
+            <a:ext cx="9351000" cy="891000"/>
           </a:xfrm>
           <a:prstGeom prst="rect">
             <a:avLst/>
@@ -11823,14 +11723,14 @@
       </p:sp>
       <p:sp>
         <p:nvSpPr>
-          <p:cNvPr id="99" name="CustomShape 9"/>
+          <p:cNvPr id="96" name="CustomShape 9"/>
           <p:cNvSpPr/>
           <p:nvPr/>
         </p:nvSpPr>
         <p:spPr>
           <a:xfrm>
             <a:off x="360000" y="1980000"/>
-            <a:ext cx="9171720" cy="4671720"/>
+            <a:ext cx="9171000" cy="4671000"/>
           </a:xfrm>
           <a:prstGeom prst="rect">
             <a:avLst/>
@@ -11882,14 +11782,14 @@
       </p:sp>
       <p:sp>
         <p:nvSpPr>
-          <p:cNvPr id="100" name="CustomShape 10"/>
+          <p:cNvPr id="97" name="CustomShape 10"/>
           <p:cNvSpPr/>
           <p:nvPr/>
         </p:nvSpPr>
         <p:spPr>
           <a:xfrm>
             <a:off x="897120" y="6886080"/>
-            <a:ext cx="6438960" cy="356760"/>
+            <a:ext cx="6438240" cy="356040"/>
           </a:xfrm>
           <a:prstGeom prst="rect">
             <a:avLst/>
@@ -11934,14 +11834,14 @@
       </p:sp>
       <p:sp>
         <p:nvSpPr>
-          <p:cNvPr id="101" name="CustomShape 11"/>
+          <p:cNvPr id="98" name="CustomShape 11"/>
           <p:cNvSpPr/>
           <p:nvPr/>
         </p:nvSpPr>
         <p:spPr>
           <a:xfrm>
             <a:off x="7608600" y="6886080"/>
-            <a:ext cx="2277000" cy="356760"/>
+            <a:ext cx="2276280" cy="356040"/>
           </a:xfrm>
           <a:prstGeom prst="rect">
             <a:avLst/>
@@ -11986,14 +11886,14 @@
       </p:sp>
       <p:sp>
         <p:nvSpPr>
-          <p:cNvPr id="102" name=""/>
+          <p:cNvPr id="99" name=""/>
           <p:cNvSpPr/>
           <p:nvPr/>
         </p:nvSpPr>
         <p:spPr>
           <a:xfrm>
             <a:off x="342360" y="1529280"/>
-            <a:ext cx="6773040" cy="5361480"/>
+            <a:ext cx="6772320" cy="5360760"/>
           </a:xfrm>
           <a:prstGeom prst="rect">
             <a:avLst/>
@@ -12234,7 +12134,7 @@
       </p:sp>
       <p:pic>
         <p:nvPicPr>
-          <p:cNvPr id="103" name="" descr=""/>
+          <p:cNvPr id="100" name="" descr=""/>
           <p:cNvPicPr/>
           <p:nvPr/>
         </p:nvPicPr>
@@ -12246,7 +12146,7 @@
         <p:spPr>
           <a:xfrm>
             <a:off x="3754080" y="1667160"/>
-            <a:ext cx="3332520" cy="2886840"/>
+            <a:ext cx="3331800" cy="2886120"/>
           </a:xfrm>
           <a:prstGeom prst="rect">
             <a:avLst/>
@@ -12258,7 +12158,7 @@
       </p:pic>
       <p:pic>
         <p:nvPicPr>
-          <p:cNvPr id="104" name="" descr=""/>
+          <p:cNvPr id="101" name="" descr=""/>
           <p:cNvPicPr/>
           <p:nvPr/>
         </p:nvPicPr>
@@ -12269,7 +12169,7 @@
         <p:spPr>
           <a:xfrm>
             <a:off x="5310720" y="4656240"/>
-            <a:ext cx="4101120" cy="2055600"/>
+            <a:ext cx="4100400" cy="2054880"/>
           </a:xfrm>
           <a:prstGeom prst="rect">
             <a:avLst/>
@@ -12281,14 +12181,14 @@
       </p:pic>
       <p:sp>
         <p:nvSpPr>
-          <p:cNvPr id="105" name=""/>
+          <p:cNvPr id="102" name=""/>
           <p:cNvSpPr/>
           <p:nvPr/>
         </p:nvSpPr>
         <p:spPr>
           <a:xfrm>
             <a:off x="1596600" y="5505120"/>
-            <a:ext cx="1596600" cy="979920"/>
+            <a:ext cx="1595880" cy="979200"/>
           </a:xfrm>
           <a:custGeom>
             <a:avLst/>
@@ -12426,14 +12326,14 @@
       </p:grpSpPr>
       <p:sp>
         <p:nvSpPr>
-          <p:cNvPr id="106" name="CustomShape 6"/>
+          <p:cNvPr id="103" name="CustomShape 6"/>
           <p:cNvSpPr/>
           <p:nvPr/>
         </p:nvSpPr>
         <p:spPr>
           <a:xfrm>
             <a:off x="360000" y="360000"/>
-            <a:ext cx="9351720" cy="891720"/>
+            <a:ext cx="9351000" cy="891000"/>
           </a:xfrm>
           <a:prstGeom prst="rect">
             <a:avLst/>
@@ -12478,14 +12378,14 @@
       </p:sp>
       <p:sp>
         <p:nvSpPr>
-          <p:cNvPr id="107" name="CustomShape 7"/>
+          <p:cNvPr id="104" name="CustomShape 7"/>
           <p:cNvSpPr/>
           <p:nvPr/>
         </p:nvSpPr>
         <p:spPr>
           <a:xfrm>
             <a:off x="360000" y="1980000"/>
-            <a:ext cx="9171720" cy="4671720"/>
+            <a:ext cx="9171000" cy="4671000"/>
           </a:xfrm>
           <a:prstGeom prst="rect">
             <a:avLst/>
@@ -12537,14 +12437,14 @@
       </p:sp>
       <p:sp>
         <p:nvSpPr>
-          <p:cNvPr id="108" name="CustomShape 12"/>
+          <p:cNvPr id="105" name="CustomShape 12"/>
           <p:cNvSpPr/>
           <p:nvPr/>
         </p:nvSpPr>
         <p:spPr>
           <a:xfrm>
             <a:off x="897120" y="6886080"/>
-            <a:ext cx="6438960" cy="356760"/>
+            <a:ext cx="6438240" cy="356040"/>
           </a:xfrm>
           <a:prstGeom prst="rect">
             <a:avLst/>
@@ -12589,14 +12489,14 @@
       </p:sp>
       <p:sp>
         <p:nvSpPr>
-          <p:cNvPr id="109" name="CustomShape 13"/>
+          <p:cNvPr id="106" name="CustomShape 13"/>
           <p:cNvSpPr/>
           <p:nvPr/>
         </p:nvSpPr>
         <p:spPr>
           <a:xfrm>
             <a:off x="7608600" y="6886080"/>
-            <a:ext cx="2277000" cy="356760"/>
+            <a:ext cx="2276280" cy="356040"/>
           </a:xfrm>
           <a:prstGeom prst="rect">
             <a:avLst/>
@@ -12641,14 +12541,14 @@
       </p:sp>
       <p:sp>
         <p:nvSpPr>
-          <p:cNvPr id="110" name=""/>
+          <p:cNvPr id="107" name=""/>
           <p:cNvSpPr/>
           <p:nvPr/>
         </p:nvSpPr>
         <p:spPr>
           <a:xfrm>
             <a:off x="327960" y="1553760"/>
-            <a:ext cx="9192960" cy="5127480"/>
+            <a:ext cx="9192240" cy="5126760"/>
           </a:xfrm>
           <a:prstGeom prst="rect">
             <a:avLst/>
@@ -12768,7 +12668,7 @@
       </p:sp>
       <p:pic>
         <p:nvPicPr>
-          <p:cNvPr id="111" name="" descr=""/>
+          <p:cNvPr id="108" name="" descr=""/>
           <p:cNvPicPr/>
           <p:nvPr/>
         </p:nvPicPr>
@@ -12779,7 +12679,7 @@
         <p:spPr>
           <a:xfrm>
             <a:off x="2171520" y="2815560"/>
-            <a:ext cx="6132960" cy="3837600"/>
+            <a:ext cx="6132240" cy="3836880"/>
           </a:xfrm>
           <a:prstGeom prst="rect">
             <a:avLst/>
@@ -12821,7 +12721,7 @@
       </p:grpSpPr>
       <p:pic>
         <p:nvPicPr>
-          <p:cNvPr id="112" name="" descr=""/>
+          <p:cNvPr id="109" name="" descr=""/>
           <p:cNvPicPr/>
           <p:nvPr/>
         </p:nvPicPr>
@@ -12832,7 +12732,7 @@
         <p:spPr>
           <a:xfrm>
             <a:off x="5091120" y="3344040"/>
-            <a:ext cx="4551840" cy="2780280"/>
+            <a:ext cx="4551120" cy="2779560"/>
           </a:xfrm>
           <a:prstGeom prst="rect">
             <a:avLst/>
@@ -12844,14 +12744,14 @@
       </p:pic>
       <p:sp>
         <p:nvSpPr>
-          <p:cNvPr id="113" name="CustomShape 15"/>
+          <p:cNvPr id="110" name="CustomShape 15"/>
           <p:cNvSpPr/>
           <p:nvPr/>
         </p:nvSpPr>
         <p:spPr>
           <a:xfrm>
             <a:off x="360000" y="360000"/>
-            <a:ext cx="9351720" cy="891720"/>
+            <a:ext cx="9351000" cy="891000"/>
           </a:xfrm>
           <a:prstGeom prst="rect">
             <a:avLst/>
@@ -12896,14 +12796,14 @@
       </p:sp>
       <p:sp>
         <p:nvSpPr>
-          <p:cNvPr id="114" name="CustomShape 16"/>
+          <p:cNvPr id="111" name="CustomShape 16"/>
           <p:cNvSpPr/>
           <p:nvPr/>
         </p:nvSpPr>
         <p:spPr>
           <a:xfrm>
             <a:off x="360000" y="1980000"/>
-            <a:ext cx="9171720" cy="4671720"/>
+            <a:ext cx="9171000" cy="4671000"/>
           </a:xfrm>
           <a:prstGeom prst="rect">
             <a:avLst/>
@@ -12955,14 +12855,14 @@
       </p:sp>
       <p:sp>
         <p:nvSpPr>
-          <p:cNvPr id="115" name="CustomShape 17"/>
+          <p:cNvPr id="112" name="CustomShape 17"/>
           <p:cNvSpPr/>
           <p:nvPr/>
         </p:nvSpPr>
         <p:spPr>
           <a:xfrm>
             <a:off x="897120" y="6886080"/>
-            <a:ext cx="6438960" cy="356760"/>
+            <a:ext cx="6438240" cy="356040"/>
           </a:xfrm>
           <a:prstGeom prst="rect">
             <a:avLst/>
@@ -13007,14 +12907,14 @@
       </p:sp>
       <p:sp>
         <p:nvSpPr>
-          <p:cNvPr id="116" name="CustomShape 18"/>
+          <p:cNvPr id="113" name="CustomShape 18"/>
           <p:cNvSpPr/>
           <p:nvPr/>
         </p:nvSpPr>
         <p:spPr>
           <a:xfrm>
             <a:off x="7608600" y="6886080"/>
-            <a:ext cx="2277000" cy="356760"/>
+            <a:ext cx="2276280" cy="356040"/>
           </a:xfrm>
           <a:prstGeom prst="rect">
             <a:avLst/>
@@ -13059,14 +12959,14 @@
       </p:sp>
       <p:sp>
         <p:nvSpPr>
-          <p:cNvPr id="117" name=""/>
+          <p:cNvPr id="114" name=""/>
           <p:cNvSpPr/>
           <p:nvPr/>
         </p:nvSpPr>
         <p:spPr>
           <a:xfrm>
             <a:off x="327960" y="1553760"/>
-            <a:ext cx="9192960" cy="5127480"/>
+            <a:ext cx="9192240" cy="5126760"/>
           </a:xfrm>
           <a:prstGeom prst="rect">
             <a:avLst/>
@@ -13186,7 +13086,7 @@
       </p:sp>
       <p:pic>
         <p:nvPicPr>
-          <p:cNvPr id="118" name="" descr=""/>
+          <p:cNvPr id="115" name="" descr=""/>
           <p:cNvPicPr/>
           <p:nvPr/>
         </p:nvPicPr>
@@ -13197,7 +13097,7 @@
         <p:spPr>
           <a:xfrm>
             <a:off x="505440" y="2927160"/>
-            <a:ext cx="3652200" cy="3333240"/>
+            <a:ext cx="3651480" cy="3332520"/>
           </a:xfrm>
           <a:prstGeom prst="rect">
             <a:avLst/>
@@ -13209,14 +13109,14 @@
       </p:pic>
       <p:sp>
         <p:nvSpPr>
-          <p:cNvPr id="119" name=""/>
+          <p:cNvPr id="116" name=""/>
           <p:cNvSpPr/>
           <p:nvPr/>
         </p:nvSpPr>
         <p:spPr>
           <a:xfrm>
             <a:off x="4356000" y="3291840"/>
-            <a:ext cx="2283120" cy="601920"/>
+            <a:ext cx="2282400" cy="601200"/>
           </a:xfrm>
           <a:custGeom>
             <a:avLst/>
@@ -13320,14 +13220,14 @@
       </p:grpSpPr>
       <p:sp>
         <p:nvSpPr>
-          <p:cNvPr id="120" name="CustomShape 20"/>
+          <p:cNvPr id="117" name="CustomShape 20"/>
           <p:cNvSpPr/>
           <p:nvPr/>
         </p:nvSpPr>
         <p:spPr>
           <a:xfrm>
             <a:off x="360000" y="360000"/>
-            <a:ext cx="9351720" cy="891720"/>
+            <a:ext cx="9351000" cy="891000"/>
           </a:xfrm>
           <a:prstGeom prst="rect">
             <a:avLst/>
@@ -13372,14 +13272,14 @@
       </p:sp>
       <p:sp>
         <p:nvSpPr>
-          <p:cNvPr id="121" name="CustomShape 21"/>
+          <p:cNvPr id="118" name="CustomShape 21"/>
           <p:cNvSpPr/>
           <p:nvPr/>
         </p:nvSpPr>
         <p:spPr>
           <a:xfrm>
             <a:off x="360000" y="1980000"/>
-            <a:ext cx="9171720" cy="4671720"/>
+            <a:ext cx="9171000" cy="4671000"/>
           </a:xfrm>
           <a:prstGeom prst="rect">
             <a:avLst/>
@@ -13431,14 +13331,14 @@
       </p:sp>
       <p:sp>
         <p:nvSpPr>
-          <p:cNvPr id="122" name="CustomShape 22"/>
+          <p:cNvPr id="119" name="CustomShape 22"/>
           <p:cNvSpPr/>
           <p:nvPr/>
         </p:nvSpPr>
         <p:spPr>
           <a:xfrm>
             <a:off x="897120" y="6886080"/>
-            <a:ext cx="6438960" cy="356760"/>
+            <a:ext cx="6438240" cy="356040"/>
           </a:xfrm>
           <a:prstGeom prst="rect">
             <a:avLst/>
@@ -13483,14 +13383,14 @@
       </p:sp>
       <p:sp>
         <p:nvSpPr>
-          <p:cNvPr id="123" name="CustomShape 23"/>
+          <p:cNvPr id="120" name="CustomShape 23"/>
           <p:cNvSpPr/>
           <p:nvPr/>
         </p:nvSpPr>
         <p:spPr>
           <a:xfrm>
             <a:off x="7608600" y="6886080"/>
-            <a:ext cx="2277000" cy="356760"/>
+            <a:ext cx="2276280" cy="356040"/>
           </a:xfrm>
           <a:prstGeom prst="rect">
             <a:avLst/>
@@ -13535,14 +13435,14 @@
       </p:sp>
       <p:sp>
         <p:nvSpPr>
-          <p:cNvPr id="124" name=""/>
+          <p:cNvPr id="121" name=""/>
           <p:cNvSpPr/>
           <p:nvPr/>
         </p:nvSpPr>
         <p:spPr>
           <a:xfrm>
             <a:off x="327960" y="1553760"/>
-            <a:ext cx="9192960" cy="5127480"/>
+            <a:ext cx="9192240" cy="5126760"/>
           </a:xfrm>
           <a:prstGeom prst="rect">
             <a:avLst/>
@@ -13762,7 +13662,7 @@
       </p:sp>
       <p:pic>
         <p:nvPicPr>
-          <p:cNvPr id="125" name="" descr=""/>
+          <p:cNvPr id="122" name="" descr=""/>
           <p:cNvPicPr/>
           <p:nvPr/>
         </p:nvPicPr>
@@ -13773,7 +13673,7 @@
         <p:spPr>
           <a:xfrm>
             <a:off x="1345680" y="3785400"/>
-            <a:ext cx="2774880" cy="780480"/>
+            <a:ext cx="2774160" cy="779760"/>
           </a:xfrm>
           <a:prstGeom prst="rect">
             <a:avLst/>
@@ -13815,14 +13715,14 @@
       </p:grpSpPr>
       <p:sp>
         <p:nvSpPr>
-          <p:cNvPr id="126" name="CustomShape 25"/>
+          <p:cNvPr id="123" name="CustomShape 25"/>
           <p:cNvSpPr/>
           <p:nvPr/>
         </p:nvSpPr>
         <p:spPr>
           <a:xfrm>
             <a:off x="360000" y="360000"/>
-            <a:ext cx="9351720" cy="891720"/>
+            <a:ext cx="9351000" cy="891000"/>
           </a:xfrm>
           <a:prstGeom prst="rect">
             <a:avLst/>
@@ -13867,14 +13767,14 @@
       </p:sp>
       <p:sp>
         <p:nvSpPr>
-          <p:cNvPr id="127" name="CustomShape 26"/>
+          <p:cNvPr id="124" name="CustomShape 26"/>
           <p:cNvSpPr/>
           <p:nvPr/>
         </p:nvSpPr>
         <p:spPr>
           <a:xfrm>
             <a:off x="360000" y="1980000"/>
-            <a:ext cx="9171720" cy="4671720"/>
+            <a:ext cx="9171000" cy="4671000"/>
           </a:xfrm>
           <a:prstGeom prst="rect">
             <a:avLst/>
@@ -13926,14 +13826,14 @@
       </p:sp>
       <p:sp>
         <p:nvSpPr>
-          <p:cNvPr id="128" name="CustomShape 27"/>
+          <p:cNvPr id="125" name="CustomShape 27"/>
           <p:cNvSpPr/>
           <p:nvPr/>
         </p:nvSpPr>
         <p:spPr>
           <a:xfrm>
             <a:off x="897120" y="6886080"/>
-            <a:ext cx="6438960" cy="356760"/>
+            <a:ext cx="6438240" cy="356040"/>
           </a:xfrm>
           <a:prstGeom prst="rect">
             <a:avLst/>
@@ -13978,14 +13878,14 @@
       </p:sp>
       <p:sp>
         <p:nvSpPr>
-          <p:cNvPr id="129" name="CustomShape 28"/>
+          <p:cNvPr id="126" name="CustomShape 28"/>
           <p:cNvSpPr/>
           <p:nvPr/>
         </p:nvSpPr>
         <p:spPr>
           <a:xfrm>
             <a:off x="7608600" y="6886080"/>
-            <a:ext cx="2277000" cy="356760"/>
+            <a:ext cx="2276280" cy="356040"/>
           </a:xfrm>
           <a:prstGeom prst="rect">
             <a:avLst/>
@@ -14030,14 +13930,14 @@
       </p:sp>
       <p:sp>
         <p:nvSpPr>
-          <p:cNvPr id="130" name=""/>
+          <p:cNvPr id="127" name=""/>
           <p:cNvSpPr/>
           <p:nvPr/>
         </p:nvSpPr>
         <p:spPr>
           <a:xfrm>
             <a:off x="327960" y="1517760"/>
-            <a:ext cx="9192960" cy="5127480"/>
+            <a:ext cx="9192240" cy="5126760"/>
           </a:xfrm>
           <a:prstGeom prst="rect">
             <a:avLst/>
@@ -14375,7 +14275,7 @@
       </p:sp>
       <p:pic>
         <p:nvPicPr>
-          <p:cNvPr id="131" name="" descr=""/>
+          <p:cNvPr id="128" name="" descr=""/>
           <p:cNvPicPr/>
           <p:nvPr/>
         </p:nvPicPr>
@@ -14386,7 +14286,7 @@
         <p:spPr>
           <a:xfrm>
             <a:off x="757440" y="2510640"/>
-            <a:ext cx="2774880" cy="780480"/>
+            <a:ext cx="2774160" cy="779760"/>
           </a:xfrm>
           <a:prstGeom prst="rect">
             <a:avLst/>
@@ -14428,7 +14328,7 @@
       </p:grpSpPr>
       <p:pic>
         <p:nvPicPr>
-          <p:cNvPr id="132" name="" descr=""/>
+          <p:cNvPr id="129" name="" descr=""/>
           <p:cNvPicPr/>
           <p:nvPr/>
         </p:nvPicPr>
@@ -14440,7 +14340,7 @@
         <p:spPr>
           <a:xfrm>
             <a:off x="6386040" y="4146480"/>
-            <a:ext cx="2932920" cy="2562480"/>
+            <a:ext cx="2932200" cy="2561760"/>
           </a:xfrm>
           <a:prstGeom prst="rect">
             <a:avLst/>
@@ -14452,14 +14352,14 @@
       </p:pic>
       <p:sp>
         <p:nvSpPr>
-          <p:cNvPr id="133" name="CustomShape 30"/>
+          <p:cNvPr id="130" name="CustomShape 30"/>
           <p:cNvSpPr/>
           <p:nvPr/>
         </p:nvSpPr>
         <p:spPr>
           <a:xfrm>
             <a:off x="360000" y="360000"/>
-            <a:ext cx="9351720" cy="891720"/>
+            <a:ext cx="9351000" cy="891000"/>
           </a:xfrm>
           <a:prstGeom prst="rect">
             <a:avLst/>
@@ -14504,14 +14404,14 @@
       </p:sp>
       <p:sp>
         <p:nvSpPr>
-          <p:cNvPr id="134" name="CustomShape 31"/>
+          <p:cNvPr id="131" name="CustomShape 31"/>
           <p:cNvSpPr/>
           <p:nvPr/>
         </p:nvSpPr>
         <p:spPr>
           <a:xfrm>
             <a:off x="360000" y="1980000"/>
-            <a:ext cx="9171720" cy="4671720"/>
+            <a:ext cx="9171000" cy="4671000"/>
           </a:xfrm>
           <a:prstGeom prst="rect">
             <a:avLst/>
@@ -14563,14 +14463,14 @@
       </p:sp>
       <p:sp>
         <p:nvSpPr>
-          <p:cNvPr id="135" name="CustomShape 32"/>
+          <p:cNvPr id="132" name="CustomShape 32"/>
           <p:cNvSpPr/>
           <p:nvPr/>
         </p:nvSpPr>
         <p:spPr>
           <a:xfrm>
             <a:off x="897120" y="6886080"/>
-            <a:ext cx="6438960" cy="356760"/>
+            <a:ext cx="6438240" cy="356040"/>
           </a:xfrm>
           <a:prstGeom prst="rect">
             <a:avLst/>
@@ -14615,14 +14515,14 @@
       </p:sp>
       <p:sp>
         <p:nvSpPr>
-          <p:cNvPr id="136" name="CustomShape 33"/>
+          <p:cNvPr id="133" name="CustomShape 33"/>
           <p:cNvSpPr/>
           <p:nvPr/>
         </p:nvSpPr>
         <p:spPr>
           <a:xfrm>
             <a:off x="7608600" y="6886080"/>
-            <a:ext cx="2277000" cy="356760"/>
+            <a:ext cx="2276280" cy="356040"/>
           </a:xfrm>
           <a:prstGeom prst="rect">
             <a:avLst/>
@@ -14667,14 +14567,14 @@
       </p:sp>
       <p:sp>
         <p:nvSpPr>
-          <p:cNvPr id="137" name=""/>
+          <p:cNvPr id="134" name=""/>
           <p:cNvSpPr/>
           <p:nvPr/>
         </p:nvSpPr>
         <p:spPr>
           <a:xfrm>
             <a:off x="327960" y="1553760"/>
-            <a:ext cx="9192960" cy="5127480"/>
+            <a:ext cx="9192240" cy="5126760"/>
           </a:xfrm>
           <a:prstGeom prst="rect">
             <a:avLst/>
@@ -15151,7 +15051,7 @@
       </p:sp>
       <p:pic>
         <p:nvPicPr>
-          <p:cNvPr id="138" name="" descr=""/>
+          <p:cNvPr id="135" name="" descr=""/>
           <p:cNvPicPr/>
           <p:nvPr/>
         </p:nvPicPr>
@@ -15162,7 +15062,7 @@
         <p:spPr>
           <a:xfrm>
             <a:off x="1037520" y="3120840"/>
-            <a:ext cx="2407320" cy="677160"/>
+            <a:ext cx="2406600" cy="676440"/>
           </a:xfrm>
           <a:prstGeom prst="rect">
             <a:avLst/>
@@ -15174,7 +15074,7 @@
       </p:pic>
       <p:pic>
         <p:nvPicPr>
-          <p:cNvPr id="139" name="" descr=""/>
+          <p:cNvPr id="136" name="" descr=""/>
           <p:cNvPicPr/>
           <p:nvPr/>
         </p:nvPicPr>
@@ -15185,7 +15085,7 @@
         <p:spPr>
           <a:xfrm>
             <a:off x="5196600" y="1924920"/>
-            <a:ext cx="4408920" cy="1801440"/>
+            <a:ext cx="4408200" cy="1800720"/>
           </a:xfrm>
           <a:prstGeom prst="rect">
             <a:avLst/>
@@ -15227,14 +15127,14 @@
       </p:grpSpPr>
       <p:sp>
         <p:nvSpPr>
-          <p:cNvPr id="140" name="CustomShape 35"/>
+          <p:cNvPr id="137" name="CustomShape 35"/>
           <p:cNvSpPr/>
           <p:nvPr/>
         </p:nvSpPr>
         <p:spPr>
           <a:xfrm>
             <a:off x="360000" y="360000"/>
-            <a:ext cx="9351720" cy="891720"/>
+            <a:ext cx="9351000" cy="891000"/>
           </a:xfrm>
           <a:prstGeom prst="rect">
             <a:avLst/>
@@ -15279,14 +15179,14 @@
       </p:sp>
       <p:sp>
         <p:nvSpPr>
-          <p:cNvPr id="141" name="CustomShape 36"/>
+          <p:cNvPr id="138" name="CustomShape 36"/>
           <p:cNvSpPr/>
           <p:nvPr/>
         </p:nvSpPr>
         <p:spPr>
           <a:xfrm>
             <a:off x="360000" y="1980000"/>
-            <a:ext cx="9171720" cy="4671720"/>
+            <a:ext cx="9171000" cy="4671000"/>
           </a:xfrm>
           <a:prstGeom prst="rect">
             <a:avLst/>
@@ -15338,14 +15238,14 @@
       </p:sp>
       <p:sp>
         <p:nvSpPr>
-          <p:cNvPr id="142" name="CustomShape 37"/>
+          <p:cNvPr id="139" name="CustomShape 37"/>
           <p:cNvSpPr/>
           <p:nvPr/>
         </p:nvSpPr>
         <p:spPr>
           <a:xfrm>
             <a:off x="897120" y="6886080"/>
-            <a:ext cx="6438960" cy="356760"/>
+            <a:ext cx="6438240" cy="356040"/>
           </a:xfrm>
           <a:prstGeom prst="rect">
             <a:avLst/>
@@ -15390,14 +15290,14 @@
       </p:sp>
       <p:sp>
         <p:nvSpPr>
-          <p:cNvPr id="143" name="CustomShape 38"/>
+          <p:cNvPr id="140" name="CustomShape 38"/>
           <p:cNvSpPr/>
           <p:nvPr/>
         </p:nvSpPr>
         <p:spPr>
           <a:xfrm>
             <a:off x="7608600" y="6886080"/>
-            <a:ext cx="2277000" cy="356760"/>
+            <a:ext cx="2276280" cy="356040"/>
           </a:xfrm>
           <a:prstGeom prst="rect">
             <a:avLst/>
@@ -15442,14 +15342,14 @@
       </p:sp>
       <p:sp>
         <p:nvSpPr>
-          <p:cNvPr id="144" name=""/>
+          <p:cNvPr id="141" name=""/>
           <p:cNvSpPr/>
           <p:nvPr/>
         </p:nvSpPr>
         <p:spPr>
           <a:xfrm>
             <a:off x="327960" y="1553760"/>
-            <a:ext cx="9192960" cy="5127480"/>
+            <a:ext cx="9192240" cy="5126760"/>
           </a:xfrm>
           <a:prstGeom prst="rect">
             <a:avLst/>

--- a/AprendizadoMaquina/Tópico 02 - Aprendizado Supervisionado/03 - ARVORES DECISÃO/Tópico 02 - Aprendizado-Supervisionado - Arvores.pptx
+++ b/AprendizadoMaquina/Tópico 02 - Aprendizado Supervisionado/03 - ARVORES DECISÃO/Tópico 02 - Aprendizado-Supervisionado - Arvores.pptx
@@ -309,7 +309,7 @@
             <a:pPr algn="r">
               <a:buNone/>
             </a:pPr>
-            <a:fld id="{B140E328-0DA9-4917-8E7C-9B826F435054}" type="slidenum">
+            <a:fld id="{CB205528-BF0B-45BB-84D7-959783546AE7}" type="slidenum">
               <a:rPr b="0" lang="pt-BR" sz="1400" spc="-1" strike="noStrike">
                 <a:latin typeface="Times New Roman"/>
               </a:rPr>
@@ -346,7 +346,7 @@
       </p:grpSpPr>
       <p:sp>
         <p:nvSpPr>
-          <p:cNvPr id="190" name="PlaceHolder 1"/>
+          <p:cNvPr id="194" name="PlaceHolder 1"/>
           <p:cNvSpPr>
             <a:spLocks noGrp="1"/>
           </p:cNvSpPr>
@@ -357,19 +357,19 @@
         <p:spPr>
           <a:xfrm>
             <a:off x="1376280" y="1336680"/>
-            <a:ext cx="4798440" cy="3598200"/>
-          </a:xfrm>
-          <a:prstGeom prst="rect">
-            <a:avLst/>
-          </a:prstGeom>
-          <a:ln w="0">
-            <a:noFill/>
-          </a:ln>
-        </p:spPr>
-      </p:sp>
-      <p:sp>
-        <p:nvSpPr>
-          <p:cNvPr id="191" name="PlaceHolder 2"/>
+            <a:ext cx="4797720" cy="3597480"/>
+          </a:xfrm>
+          <a:prstGeom prst="rect">
+            <a:avLst/>
+          </a:prstGeom>
+          <a:ln w="0">
+            <a:noFill/>
+          </a:ln>
+        </p:spPr>
+      </p:sp>
+      <p:sp>
+        <p:nvSpPr>
+          <p:cNvPr id="195" name="PlaceHolder 2"/>
           <p:cNvSpPr>
             <a:spLocks noGrp="1"/>
           </p:cNvSpPr>
@@ -380,7 +380,7 @@
         <p:spPr>
           <a:xfrm>
             <a:off x="756000" y="5145120"/>
-            <a:ext cx="6038640" cy="4200840"/>
+            <a:ext cx="6037920" cy="4200120"/>
           </a:xfrm>
           <a:prstGeom prst="rect">
             <a:avLst/>
@@ -403,14 +403,14 @@
       </p:sp>
       <p:sp>
         <p:nvSpPr>
-          <p:cNvPr id="192" name="CustomShape 3"/>
+          <p:cNvPr id="196" name="CustomShape 3"/>
           <p:cNvSpPr/>
           <p:nvPr/>
         </p:nvSpPr>
         <p:spPr>
           <a:xfrm>
             <a:off x="0" y="10155240"/>
-            <a:ext cx="3267000" cy="527400"/>
+            <a:ext cx="3266280" cy="526680"/>
           </a:xfrm>
           <a:prstGeom prst="rect">
             <a:avLst/>
@@ -477,7 +477,7 @@
       </p:grpSpPr>
       <p:sp>
         <p:nvSpPr>
-          <p:cNvPr id="217" name="PlaceHolder 1"/>
+          <p:cNvPr id="221" name="PlaceHolder 1"/>
           <p:cNvSpPr>
             <a:spLocks noGrp="1"/>
           </p:cNvSpPr>
@@ -488,19 +488,19 @@
         <p:spPr>
           <a:xfrm>
             <a:off x="1376280" y="1336680"/>
-            <a:ext cx="4798440" cy="3598200"/>
-          </a:xfrm>
-          <a:prstGeom prst="rect">
-            <a:avLst/>
-          </a:prstGeom>
-          <a:ln w="0">
-            <a:noFill/>
-          </a:ln>
-        </p:spPr>
-      </p:sp>
-      <p:sp>
-        <p:nvSpPr>
-          <p:cNvPr id="218" name="PlaceHolder 2"/>
+            <a:ext cx="4797720" cy="3597480"/>
+          </a:xfrm>
+          <a:prstGeom prst="rect">
+            <a:avLst/>
+          </a:prstGeom>
+          <a:ln w="0">
+            <a:noFill/>
+          </a:ln>
+        </p:spPr>
+      </p:sp>
+      <p:sp>
+        <p:nvSpPr>
+          <p:cNvPr id="222" name="PlaceHolder 2"/>
           <p:cNvSpPr>
             <a:spLocks noGrp="1"/>
           </p:cNvSpPr>
@@ -511,7 +511,7 @@
         <p:spPr>
           <a:xfrm>
             <a:off x="756000" y="5145120"/>
-            <a:ext cx="6038640" cy="4200840"/>
+            <a:ext cx="6037920" cy="4200120"/>
           </a:xfrm>
           <a:prstGeom prst="rect">
             <a:avLst/>
@@ -534,14 +534,14 @@
       </p:sp>
       <p:sp>
         <p:nvSpPr>
-          <p:cNvPr id="219" name="CustomShape 44"/>
+          <p:cNvPr id="223" name="CustomShape 44"/>
           <p:cNvSpPr/>
           <p:nvPr/>
         </p:nvSpPr>
         <p:spPr>
           <a:xfrm>
             <a:off x="0" y="10155240"/>
-            <a:ext cx="3267000" cy="527400"/>
+            <a:ext cx="3266280" cy="526680"/>
           </a:xfrm>
           <a:prstGeom prst="rect">
             <a:avLst/>
@@ -608,7 +608,7 @@
       </p:grpSpPr>
       <p:sp>
         <p:nvSpPr>
-          <p:cNvPr id="220" name="PlaceHolder 1"/>
+          <p:cNvPr id="224" name="PlaceHolder 1"/>
           <p:cNvSpPr>
             <a:spLocks noGrp="1"/>
           </p:cNvSpPr>
@@ -619,19 +619,19 @@
         <p:spPr>
           <a:xfrm>
             <a:off x="1376280" y="1336680"/>
-            <a:ext cx="4798440" cy="3598200"/>
-          </a:xfrm>
-          <a:prstGeom prst="rect">
-            <a:avLst/>
-          </a:prstGeom>
-          <a:ln w="0">
-            <a:noFill/>
-          </a:ln>
-        </p:spPr>
-      </p:sp>
-      <p:sp>
-        <p:nvSpPr>
-          <p:cNvPr id="221" name="PlaceHolder 2"/>
+            <a:ext cx="4797720" cy="3597480"/>
+          </a:xfrm>
+          <a:prstGeom prst="rect">
+            <a:avLst/>
+          </a:prstGeom>
+          <a:ln w="0">
+            <a:noFill/>
+          </a:ln>
+        </p:spPr>
+      </p:sp>
+      <p:sp>
+        <p:nvSpPr>
+          <p:cNvPr id="225" name="PlaceHolder 2"/>
           <p:cNvSpPr>
             <a:spLocks noGrp="1"/>
           </p:cNvSpPr>
@@ -642,7 +642,7 @@
         <p:spPr>
           <a:xfrm>
             <a:off x="756000" y="5145120"/>
-            <a:ext cx="6038640" cy="4200840"/>
+            <a:ext cx="6037920" cy="4200120"/>
           </a:xfrm>
           <a:prstGeom prst="rect">
             <a:avLst/>
@@ -665,14 +665,14 @@
       </p:sp>
       <p:sp>
         <p:nvSpPr>
-          <p:cNvPr id="222" name="CustomShape 49"/>
+          <p:cNvPr id="226" name="CustomShape 49"/>
           <p:cNvSpPr/>
           <p:nvPr/>
         </p:nvSpPr>
         <p:spPr>
           <a:xfrm>
             <a:off x="0" y="10155240"/>
-            <a:ext cx="3267000" cy="527400"/>
+            <a:ext cx="3266280" cy="526680"/>
           </a:xfrm>
           <a:prstGeom prst="rect">
             <a:avLst/>
@@ -739,7 +739,7 @@
       </p:grpSpPr>
       <p:sp>
         <p:nvSpPr>
-          <p:cNvPr id="223" name="PlaceHolder 1"/>
+          <p:cNvPr id="227" name="PlaceHolder 1"/>
           <p:cNvSpPr>
             <a:spLocks noGrp="1"/>
           </p:cNvSpPr>
@@ -750,19 +750,19 @@
         <p:spPr>
           <a:xfrm>
             <a:off x="1376280" y="1336680"/>
-            <a:ext cx="4798440" cy="3598200"/>
-          </a:xfrm>
-          <a:prstGeom prst="rect">
-            <a:avLst/>
-          </a:prstGeom>
-          <a:ln w="0">
-            <a:noFill/>
-          </a:ln>
-        </p:spPr>
-      </p:sp>
-      <p:sp>
-        <p:nvSpPr>
-          <p:cNvPr id="224" name="PlaceHolder 2"/>
+            <a:ext cx="4797720" cy="3597480"/>
+          </a:xfrm>
+          <a:prstGeom prst="rect">
+            <a:avLst/>
+          </a:prstGeom>
+          <a:ln w="0">
+            <a:noFill/>
+          </a:ln>
+        </p:spPr>
+      </p:sp>
+      <p:sp>
+        <p:nvSpPr>
+          <p:cNvPr id="228" name="PlaceHolder 2"/>
           <p:cNvSpPr>
             <a:spLocks noGrp="1"/>
           </p:cNvSpPr>
@@ -773,7 +773,7 @@
         <p:spPr>
           <a:xfrm>
             <a:off x="756000" y="5145120"/>
-            <a:ext cx="6038640" cy="4200840"/>
+            <a:ext cx="6037920" cy="4200120"/>
           </a:xfrm>
           <a:prstGeom prst="rect">
             <a:avLst/>
@@ -796,14 +796,14 @@
       </p:sp>
       <p:sp>
         <p:nvSpPr>
-          <p:cNvPr id="225" name="CustomShape 84"/>
+          <p:cNvPr id="229" name="CustomShape 84"/>
           <p:cNvSpPr/>
           <p:nvPr/>
         </p:nvSpPr>
         <p:spPr>
           <a:xfrm>
             <a:off x="0" y="10155240"/>
-            <a:ext cx="3267000" cy="527400"/>
+            <a:ext cx="3266280" cy="526680"/>
           </a:xfrm>
           <a:prstGeom prst="rect">
             <a:avLst/>
@@ -870,7 +870,7 @@
       </p:grpSpPr>
       <p:sp>
         <p:nvSpPr>
-          <p:cNvPr id="226" name="PlaceHolder 1"/>
+          <p:cNvPr id="230" name="PlaceHolder 1"/>
           <p:cNvSpPr>
             <a:spLocks noGrp="1"/>
           </p:cNvSpPr>
@@ -881,19 +881,19 @@
         <p:spPr>
           <a:xfrm>
             <a:off x="1376280" y="1336680"/>
-            <a:ext cx="4798440" cy="3598200"/>
-          </a:xfrm>
-          <a:prstGeom prst="rect">
-            <a:avLst/>
-          </a:prstGeom>
-          <a:ln w="0">
-            <a:noFill/>
-          </a:ln>
-        </p:spPr>
-      </p:sp>
-      <p:sp>
-        <p:nvSpPr>
-          <p:cNvPr id="227" name="PlaceHolder 2"/>
+            <a:ext cx="4797720" cy="3597480"/>
+          </a:xfrm>
+          <a:prstGeom prst="rect">
+            <a:avLst/>
+          </a:prstGeom>
+          <a:ln w="0">
+            <a:noFill/>
+          </a:ln>
+        </p:spPr>
+      </p:sp>
+      <p:sp>
+        <p:nvSpPr>
+          <p:cNvPr id="231" name="PlaceHolder 2"/>
           <p:cNvSpPr>
             <a:spLocks noGrp="1"/>
           </p:cNvSpPr>
@@ -904,7 +904,7 @@
         <p:spPr>
           <a:xfrm>
             <a:off x="756000" y="5145120"/>
-            <a:ext cx="6038640" cy="4200840"/>
+            <a:ext cx="6037920" cy="4200120"/>
           </a:xfrm>
           <a:prstGeom prst="rect">
             <a:avLst/>
@@ -927,14 +927,14 @@
       </p:sp>
       <p:sp>
         <p:nvSpPr>
-          <p:cNvPr id="228" name="CustomShape 54"/>
+          <p:cNvPr id="232" name="CustomShape 54"/>
           <p:cNvSpPr/>
           <p:nvPr/>
         </p:nvSpPr>
         <p:spPr>
           <a:xfrm>
             <a:off x="0" y="10155240"/>
-            <a:ext cx="3267000" cy="527400"/>
+            <a:ext cx="3266280" cy="526680"/>
           </a:xfrm>
           <a:prstGeom prst="rect">
             <a:avLst/>
@@ -1001,7 +1001,7 @@
       </p:grpSpPr>
       <p:sp>
         <p:nvSpPr>
-          <p:cNvPr id="229" name="PlaceHolder 1"/>
+          <p:cNvPr id="233" name="PlaceHolder 1"/>
           <p:cNvSpPr>
             <a:spLocks noGrp="1"/>
           </p:cNvSpPr>
@@ -1012,19 +1012,19 @@
         <p:spPr>
           <a:xfrm>
             <a:off x="1376280" y="1336680"/>
-            <a:ext cx="4798440" cy="3598200"/>
-          </a:xfrm>
-          <a:prstGeom prst="rect">
-            <a:avLst/>
-          </a:prstGeom>
-          <a:ln w="0">
-            <a:noFill/>
-          </a:ln>
-        </p:spPr>
-      </p:sp>
-      <p:sp>
-        <p:nvSpPr>
-          <p:cNvPr id="230" name="PlaceHolder 2"/>
+            <a:ext cx="4797720" cy="3597480"/>
+          </a:xfrm>
+          <a:prstGeom prst="rect">
+            <a:avLst/>
+          </a:prstGeom>
+          <a:ln w="0">
+            <a:noFill/>
+          </a:ln>
+        </p:spPr>
+      </p:sp>
+      <p:sp>
+        <p:nvSpPr>
+          <p:cNvPr id="234" name="PlaceHolder 2"/>
           <p:cNvSpPr>
             <a:spLocks noGrp="1"/>
           </p:cNvSpPr>
@@ -1035,7 +1035,7 @@
         <p:spPr>
           <a:xfrm>
             <a:off x="756000" y="5145120"/>
-            <a:ext cx="6038640" cy="4200840"/>
+            <a:ext cx="6037920" cy="4200120"/>
           </a:xfrm>
           <a:prstGeom prst="rect">
             <a:avLst/>
@@ -1058,14 +1058,14 @@
       </p:sp>
       <p:sp>
         <p:nvSpPr>
-          <p:cNvPr id="231" name="CustomShape 59"/>
+          <p:cNvPr id="235" name="CustomShape 59"/>
           <p:cNvSpPr/>
           <p:nvPr/>
         </p:nvSpPr>
         <p:spPr>
           <a:xfrm>
             <a:off x="0" y="10155240"/>
-            <a:ext cx="3267000" cy="527400"/>
+            <a:ext cx="3266280" cy="526680"/>
           </a:xfrm>
           <a:prstGeom prst="rect">
             <a:avLst/>
@@ -1132,7 +1132,7 @@
       </p:grpSpPr>
       <p:sp>
         <p:nvSpPr>
-          <p:cNvPr id="232" name="PlaceHolder 1"/>
+          <p:cNvPr id="236" name="PlaceHolder 1"/>
           <p:cNvSpPr>
             <a:spLocks noGrp="1"/>
           </p:cNvSpPr>
@@ -1143,19 +1143,19 @@
         <p:spPr>
           <a:xfrm>
             <a:off x="1376280" y="1336680"/>
-            <a:ext cx="4798440" cy="3598200"/>
-          </a:xfrm>
-          <a:prstGeom prst="rect">
-            <a:avLst/>
-          </a:prstGeom>
-          <a:ln w="0">
-            <a:noFill/>
-          </a:ln>
-        </p:spPr>
-      </p:sp>
-      <p:sp>
-        <p:nvSpPr>
-          <p:cNvPr id="233" name="PlaceHolder 2"/>
+            <a:ext cx="4797720" cy="3597480"/>
+          </a:xfrm>
+          <a:prstGeom prst="rect">
+            <a:avLst/>
+          </a:prstGeom>
+          <a:ln w="0">
+            <a:noFill/>
+          </a:ln>
+        </p:spPr>
+      </p:sp>
+      <p:sp>
+        <p:nvSpPr>
+          <p:cNvPr id="237" name="PlaceHolder 2"/>
           <p:cNvSpPr>
             <a:spLocks noGrp="1"/>
           </p:cNvSpPr>
@@ -1166,7 +1166,7 @@
         <p:spPr>
           <a:xfrm>
             <a:off x="756000" y="5145120"/>
-            <a:ext cx="6038640" cy="4200840"/>
+            <a:ext cx="6037920" cy="4200120"/>
           </a:xfrm>
           <a:prstGeom prst="rect">
             <a:avLst/>
@@ -1189,14 +1189,14 @@
       </p:sp>
       <p:sp>
         <p:nvSpPr>
-          <p:cNvPr id="234" name="CustomShape 64"/>
+          <p:cNvPr id="238" name="CustomShape 64"/>
           <p:cNvSpPr/>
           <p:nvPr/>
         </p:nvSpPr>
         <p:spPr>
           <a:xfrm>
             <a:off x="0" y="10155240"/>
-            <a:ext cx="3267000" cy="527400"/>
+            <a:ext cx="3266280" cy="526680"/>
           </a:xfrm>
           <a:prstGeom prst="rect">
             <a:avLst/>
@@ -1263,7 +1263,7 @@
       </p:grpSpPr>
       <p:sp>
         <p:nvSpPr>
-          <p:cNvPr id="235" name="PlaceHolder 1"/>
+          <p:cNvPr id="239" name="PlaceHolder 1"/>
           <p:cNvSpPr>
             <a:spLocks noGrp="1"/>
           </p:cNvSpPr>
@@ -1274,19 +1274,19 @@
         <p:spPr>
           <a:xfrm>
             <a:off x="1376280" y="1336680"/>
-            <a:ext cx="4798440" cy="3598200"/>
-          </a:xfrm>
-          <a:prstGeom prst="rect">
-            <a:avLst/>
-          </a:prstGeom>
-          <a:ln w="0">
-            <a:noFill/>
-          </a:ln>
-        </p:spPr>
-      </p:sp>
-      <p:sp>
-        <p:nvSpPr>
-          <p:cNvPr id="236" name="PlaceHolder 2"/>
+            <a:ext cx="4797720" cy="3597480"/>
+          </a:xfrm>
+          <a:prstGeom prst="rect">
+            <a:avLst/>
+          </a:prstGeom>
+          <a:ln w="0">
+            <a:noFill/>
+          </a:ln>
+        </p:spPr>
+      </p:sp>
+      <p:sp>
+        <p:nvSpPr>
+          <p:cNvPr id="240" name="PlaceHolder 2"/>
           <p:cNvSpPr>
             <a:spLocks noGrp="1"/>
           </p:cNvSpPr>
@@ -1297,7 +1297,7 @@
         <p:spPr>
           <a:xfrm>
             <a:off x="756000" y="5145120"/>
-            <a:ext cx="6038640" cy="4200840"/>
+            <a:ext cx="6037920" cy="4200120"/>
           </a:xfrm>
           <a:prstGeom prst="rect">
             <a:avLst/>
@@ -1320,14 +1320,14 @@
       </p:sp>
       <p:sp>
         <p:nvSpPr>
-          <p:cNvPr id="237" name="CustomShape 69"/>
+          <p:cNvPr id="241" name="CustomShape 69"/>
           <p:cNvSpPr/>
           <p:nvPr/>
         </p:nvSpPr>
         <p:spPr>
           <a:xfrm>
             <a:off x="0" y="10155240"/>
-            <a:ext cx="3267000" cy="527400"/>
+            <a:ext cx="3266280" cy="526680"/>
           </a:xfrm>
           <a:prstGeom prst="rect">
             <a:avLst/>
@@ -1394,7 +1394,7 @@
       </p:grpSpPr>
       <p:sp>
         <p:nvSpPr>
-          <p:cNvPr id="238" name="PlaceHolder 1"/>
+          <p:cNvPr id="242" name="PlaceHolder 1"/>
           <p:cNvSpPr>
             <a:spLocks noGrp="1"/>
           </p:cNvSpPr>
@@ -1405,19 +1405,19 @@
         <p:spPr>
           <a:xfrm>
             <a:off x="1376280" y="1336680"/>
-            <a:ext cx="4798440" cy="3598200"/>
-          </a:xfrm>
-          <a:prstGeom prst="rect">
-            <a:avLst/>
-          </a:prstGeom>
-          <a:ln w="0">
-            <a:noFill/>
-          </a:ln>
-        </p:spPr>
-      </p:sp>
-      <p:sp>
-        <p:nvSpPr>
-          <p:cNvPr id="239" name="PlaceHolder 2"/>
+            <a:ext cx="4797720" cy="3597480"/>
+          </a:xfrm>
+          <a:prstGeom prst="rect">
+            <a:avLst/>
+          </a:prstGeom>
+          <a:ln w="0">
+            <a:noFill/>
+          </a:ln>
+        </p:spPr>
+      </p:sp>
+      <p:sp>
+        <p:nvSpPr>
+          <p:cNvPr id="243" name="PlaceHolder 2"/>
           <p:cNvSpPr>
             <a:spLocks noGrp="1"/>
           </p:cNvSpPr>
@@ -1428,7 +1428,7 @@
         <p:spPr>
           <a:xfrm>
             <a:off x="756000" y="5145120"/>
-            <a:ext cx="6038640" cy="4200840"/>
+            <a:ext cx="6037920" cy="4200120"/>
           </a:xfrm>
           <a:prstGeom prst="rect">
             <a:avLst/>
@@ -1451,14 +1451,14 @@
       </p:sp>
       <p:sp>
         <p:nvSpPr>
-          <p:cNvPr id="240" name="CustomShape 74"/>
+          <p:cNvPr id="244" name="CustomShape 74"/>
           <p:cNvSpPr/>
           <p:nvPr/>
         </p:nvSpPr>
         <p:spPr>
           <a:xfrm>
             <a:off x="0" y="10155240"/>
-            <a:ext cx="3267000" cy="527400"/>
+            <a:ext cx="3266280" cy="526680"/>
           </a:xfrm>
           <a:prstGeom prst="rect">
             <a:avLst/>
@@ -1525,7 +1525,7 @@
       </p:grpSpPr>
       <p:sp>
         <p:nvSpPr>
-          <p:cNvPr id="193" name="PlaceHolder 1"/>
+          <p:cNvPr id="197" name="PlaceHolder 1"/>
           <p:cNvSpPr>
             <a:spLocks noGrp="1"/>
           </p:cNvSpPr>
@@ -1536,19 +1536,19 @@
         <p:spPr>
           <a:xfrm>
             <a:off x="1376280" y="1336680"/>
-            <a:ext cx="4798440" cy="3598200"/>
-          </a:xfrm>
-          <a:prstGeom prst="rect">
-            <a:avLst/>
-          </a:prstGeom>
-          <a:ln w="0">
-            <a:noFill/>
-          </a:ln>
-        </p:spPr>
-      </p:sp>
-      <p:sp>
-        <p:nvSpPr>
-          <p:cNvPr id="194" name="PlaceHolder 2"/>
+            <a:ext cx="4797720" cy="3597480"/>
+          </a:xfrm>
+          <a:prstGeom prst="rect">
+            <a:avLst/>
+          </a:prstGeom>
+          <a:ln w="0">
+            <a:noFill/>
+          </a:ln>
+        </p:spPr>
+      </p:sp>
+      <p:sp>
+        <p:nvSpPr>
+          <p:cNvPr id="198" name="PlaceHolder 2"/>
           <p:cNvSpPr>
             <a:spLocks noGrp="1"/>
           </p:cNvSpPr>
@@ -1559,7 +1559,7 @@
         <p:spPr>
           <a:xfrm>
             <a:off x="756000" y="5145120"/>
-            <a:ext cx="6038640" cy="4200840"/>
+            <a:ext cx="6037920" cy="4200120"/>
           </a:xfrm>
           <a:prstGeom prst="rect">
             <a:avLst/>
@@ -1582,14 +1582,14 @@
       </p:sp>
       <p:sp>
         <p:nvSpPr>
-          <p:cNvPr id="195" name="CustomShape 3"/>
+          <p:cNvPr id="199" name="CustomShape 3"/>
           <p:cNvSpPr/>
           <p:nvPr/>
         </p:nvSpPr>
         <p:spPr>
           <a:xfrm>
             <a:off x="0" y="10155240"/>
-            <a:ext cx="3267000" cy="527400"/>
+            <a:ext cx="3266280" cy="526680"/>
           </a:xfrm>
           <a:prstGeom prst="rect">
             <a:avLst/>
@@ -1656,7 +1656,7 @@
       </p:grpSpPr>
       <p:sp>
         <p:nvSpPr>
-          <p:cNvPr id="196" name="PlaceHolder 1"/>
+          <p:cNvPr id="200" name="PlaceHolder 1"/>
           <p:cNvSpPr>
             <a:spLocks noGrp="1"/>
           </p:cNvSpPr>
@@ -1667,19 +1667,19 @@
         <p:spPr>
           <a:xfrm>
             <a:off x="1376280" y="1336680"/>
-            <a:ext cx="4798440" cy="3598200"/>
-          </a:xfrm>
-          <a:prstGeom prst="rect">
-            <a:avLst/>
-          </a:prstGeom>
-          <a:ln w="0">
-            <a:noFill/>
-          </a:ln>
-        </p:spPr>
-      </p:sp>
-      <p:sp>
-        <p:nvSpPr>
-          <p:cNvPr id="197" name="PlaceHolder 2"/>
+            <a:ext cx="4797720" cy="3597480"/>
+          </a:xfrm>
+          <a:prstGeom prst="rect">
+            <a:avLst/>
+          </a:prstGeom>
+          <a:ln w="0">
+            <a:noFill/>
+          </a:ln>
+        </p:spPr>
+      </p:sp>
+      <p:sp>
+        <p:nvSpPr>
+          <p:cNvPr id="201" name="PlaceHolder 2"/>
           <p:cNvSpPr>
             <a:spLocks noGrp="1"/>
           </p:cNvSpPr>
@@ -1690,7 +1690,7 @@
         <p:spPr>
           <a:xfrm>
             <a:off x="756000" y="5145120"/>
-            <a:ext cx="6038640" cy="4200840"/>
+            <a:ext cx="6037920" cy="4200120"/>
           </a:xfrm>
           <a:prstGeom prst="rect">
             <a:avLst/>
@@ -1713,14 +1713,14 @@
       </p:sp>
       <p:sp>
         <p:nvSpPr>
-          <p:cNvPr id="198" name="CustomShape 5"/>
+          <p:cNvPr id="202" name="CustomShape 5"/>
           <p:cNvSpPr/>
           <p:nvPr/>
         </p:nvSpPr>
         <p:spPr>
           <a:xfrm>
             <a:off x="0" y="10155240"/>
-            <a:ext cx="3267000" cy="527400"/>
+            <a:ext cx="3266280" cy="526680"/>
           </a:xfrm>
           <a:prstGeom prst="rect">
             <a:avLst/>
@@ -1787,7 +1787,7 @@
       </p:grpSpPr>
       <p:sp>
         <p:nvSpPr>
-          <p:cNvPr id="199" name="PlaceHolder 1"/>
+          <p:cNvPr id="203" name="PlaceHolder 1"/>
           <p:cNvSpPr>
             <a:spLocks noGrp="1"/>
           </p:cNvSpPr>
@@ -1798,19 +1798,19 @@
         <p:spPr>
           <a:xfrm>
             <a:off x="1376280" y="1336680"/>
-            <a:ext cx="4798440" cy="3598200"/>
-          </a:xfrm>
-          <a:prstGeom prst="rect">
-            <a:avLst/>
-          </a:prstGeom>
-          <a:ln w="0">
-            <a:noFill/>
-          </a:ln>
-        </p:spPr>
-      </p:sp>
-      <p:sp>
-        <p:nvSpPr>
-          <p:cNvPr id="200" name="PlaceHolder 2"/>
+            <a:ext cx="4797720" cy="3597480"/>
+          </a:xfrm>
+          <a:prstGeom prst="rect">
+            <a:avLst/>
+          </a:prstGeom>
+          <a:ln w="0">
+            <a:noFill/>
+          </a:ln>
+        </p:spPr>
+      </p:sp>
+      <p:sp>
+        <p:nvSpPr>
+          <p:cNvPr id="204" name="PlaceHolder 2"/>
           <p:cNvSpPr>
             <a:spLocks noGrp="1"/>
           </p:cNvSpPr>
@@ -1821,7 +1821,7 @@
         <p:spPr>
           <a:xfrm>
             <a:off x="756000" y="5145120"/>
-            <a:ext cx="6038640" cy="4200840"/>
+            <a:ext cx="6037920" cy="4200120"/>
           </a:xfrm>
           <a:prstGeom prst="rect">
             <a:avLst/>
@@ -1844,14 +1844,14 @@
       </p:sp>
       <p:sp>
         <p:nvSpPr>
-          <p:cNvPr id="201" name="CustomShape 14"/>
+          <p:cNvPr id="205" name="CustomShape 14"/>
           <p:cNvSpPr/>
           <p:nvPr/>
         </p:nvSpPr>
         <p:spPr>
           <a:xfrm>
             <a:off x="0" y="10155240"/>
-            <a:ext cx="3267000" cy="527400"/>
+            <a:ext cx="3266280" cy="526680"/>
           </a:xfrm>
           <a:prstGeom prst="rect">
             <a:avLst/>
@@ -1918,7 +1918,7 @@
       </p:grpSpPr>
       <p:sp>
         <p:nvSpPr>
-          <p:cNvPr id="202" name="PlaceHolder 1"/>
+          <p:cNvPr id="206" name="PlaceHolder 1"/>
           <p:cNvSpPr>
             <a:spLocks noGrp="1"/>
           </p:cNvSpPr>
@@ -1929,19 +1929,19 @@
         <p:spPr>
           <a:xfrm>
             <a:off x="1376280" y="1336680"/>
-            <a:ext cx="4798440" cy="3598200"/>
-          </a:xfrm>
-          <a:prstGeom prst="rect">
-            <a:avLst/>
-          </a:prstGeom>
-          <a:ln w="0">
-            <a:noFill/>
-          </a:ln>
-        </p:spPr>
-      </p:sp>
-      <p:sp>
-        <p:nvSpPr>
-          <p:cNvPr id="203" name="PlaceHolder 2"/>
+            <a:ext cx="4797720" cy="3597480"/>
+          </a:xfrm>
+          <a:prstGeom prst="rect">
+            <a:avLst/>
+          </a:prstGeom>
+          <a:ln w="0">
+            <a:noFill/>
+          </a:ln>
+        </p:spPr>
+      </p:sp>
+      <p:sp>
+        <p:nvSpPr>
+          <p:cNvPr id="207" name="PlaceHolder 2"/>
           <p:cNvSpPr>
             <a:spLocks noGrp="1"/>
           </p:cNvSpPr>
@@ -1952,7 +1952,7 @@
         <p:spPr>
           <a:xfrm>
             <a:off x="756000" y="5145120"/>
-            <a:ext cx="6038640" cy="4200840"/>
+            <a:ext cx="6037920" cy="4200120"/>
           </a:xfrm>
           <a:prstGeom prst="rect">
             <a:avLst/>
@@ -1975,14 +1975,14 @@
       </p:sp>
       <p:sp>
         <p:nvSpPr>
-          <p:cNvPr id="204" name="CustomShape 19"/>
+          <p:cNvPr id="208" name="CustomShape 19"/>
           <p:cNvSpPr/>
           <p:nvPr/>
         </p:nvSpPr>
         <p:spPr>
           <a:xfrm>
             <a:off x="0" y="10155240"/>
-            <a:ext cx="3267000" cy="527400"/>
+            <a:ext cx="3266280" cy="526680"/>
           </a:xfrm>
           <a:prstGeom prst="rect">
             <a:avLst/>
@@ -2049,7 +2049,7 @@
       </p:grpSpPr>
       <p:sp>
         <p:nvSpPr>
-          <p:cNvPr id="205" name="PlaceHolder 1"/>
+          <p:cNvPr id="209" name="PlaceHolder 1"/>
           <p:cNvSpPr>
             <a:spLocks noGrp="1"/>
           </p:cNvSpPr>
@@ -2060,19 +2060,19 @@
         <p:spPr>
           <a:xfrm>
             <a:off x="1376280" y="1336680"/>
-            <a:ext cx="4798440" cy="3598200"/>
-          </a:xfrm>
-          <a:prstGeom prst="rect">
-            <a:avLst/>
-          </a:prstGeom>
-          <a:ln w="0">
-            <a:noFill/>
-          </a:ln>
-        </p:spPr>
-      </p:sp>
-      <p:sp>
-        <p:nvSpPr>
-          <p:cNvPr id="206" name="PlaceHolder 2"/>
+            <a:ext cx="4797720" cy="3597480"/>
+          </a:xfrm>
+          <a:prstGeom prst="rect">
+            <a:avLst/>
+          </a:prstGeom>
+          <a:ln w="0">
+            <a:noFill/>
+          </a:ln>
+        </p:spPr>
+      </p:sp>
+      <p:sp>
+        <p:nvSpPr>
+          <p:cNvPr id="210" name="PlaceHolder 2"/>
           <p:cNvSpPr>
             <a:spLocks noGrp="1"/>
           </p:cNvSpPr>
@@ -2083,7 +2083,7 @@
         <p:spPr>
           <a:xfrm>
             <a:off x="756000" y="5145120"/>
-            <a:ext cx="6038640" cy="4200840"/>
+            <a:ext cx="6037920" cy="4200120"/>
           </a:xfrm>
           <a:prstGeom prst="rect">
             <a:avLst/>
@@ -2106,14 +2106,14 @@
       </p:sp>
       <p:sp>
         <p:nvSpPr>
-          <p:cNvPr id="207" name="CustomShape 24"/>
+          <p:cNvPr id="211" name="CustomShape 24"/>
           <p:cNvSpPr/>
           <p:nvPr/>
         </p:nvSpPr>
         <p:spPr>
           <a:xfrm>
             <a:off x="0" y="10155240"/>
-            <a:ext cx="3267000" cy="527400"/>
+            <a:ext cx="3266280" cy="526680"/>
           </a:xfrm>
           <a:prstGeom prst="rect">
             <a:avLst/>
@@ -2180,7 +2180,7 @@
       </p:grpSpPr>
       <p:sp>
         <p:nvSpPr>
-          <p:cNvPr id="208" name="PlaceHolder 1"/>
+          <p:cNvPr id="212" name="PlaceHolder 1"/>
           <p:cNvSpPr>
             <a:spLocks noGrp="1"/>
           </p:cNvSpPr>
@@ -2191,19 +2191,19 @@
         <p:spPr>
           <a:xfrm>
             <a:off x="1376280" y="1336680"/>
-            <a:ext cx="4798440" cy="3598200"/>
-          </a:xfrm>
-          <a:prstGeom prst="rect">
-            <a:avLst/>
-          </a:prstGeom>
-          <a:ln w="0">
-            <a:noFill/>
-          </a:ln>
-        </p:spPr>
-      </p:sp>
-      <p:sp>
-        <p:nvSpPr>
-          <p:cNvPr id="209" name="PlaceHolder 2"/>
+            <a:ext cx="4797720" cy="3597480"/>
+          </a:xfrm>
+          <a:prstGeom prst="rect">
+            <a:avLst/>
+          </a:prstGeom>
+          <a:ln w="0">
+            <a:noFill/>
+          </a:ln>
+        </p:spPr>
+      </p:sp>
+      <p:sp>
+        <p:nvSpPr>
+          <p:cNvPr id="213" name="PlaceHolder 2"/>
           <p:cNvSpPr>
             <a:spLocks noGrp="1"/>
           </p:cNvSpPr>
@@ -2214,7 +2214,7 @@
         <p:spPr>
           <a:xfrm>
             <a:off x="756000" y="5145120"/>
-            <a:ext cx="6038640" cy="4200840"/>
+            <a:ext cx="6037920" cy="4200120"/>
           </a:xfrm>
           <a:prstGeom prst="rect">
             <a:avLst/>
@@ -2237,14 +2237,14 @@
       </p:sp>
       <p:sp>
         <p:nvSpPr>
-          <p:cNvPr id="210" name="CustomShape 29"/>
+          <p:cNvPr id="214" name="CustomShape 29"/>
           <p:cNvSpPr/>
           <p:nvPr/>
         </p:nvSpPr>
         <p:spPr>
           <a:xfrm>
             <a:off x="0" y="10155240"/>
-            <a:ext cx="3267000" cy="527400"/>
+            <a:ext cx="3266280" cy="526680"/>
           </a:xfrm>
           <a:prstGeom prst="rect">
             <a:avLst/>
@@ -2311,7 +2311,7 @@
       </p:grpSpPr>
       <p:sp>
         <p:nvSpPr>
-          <p:cNvPr id="211" name="PlaceHolder 1"/>
+          <p:cNvPr id="215" name="PlaceHolder 1"/>
           <p:cNvSpPr>
             <a:spLocks noGrp="1"/>
           </p:cNvSpPr>
@@ -2322,19 +2322,19 @@
         <p:spPr>
           <a:xfrm>
             <a:off x="1376280" y="1336680"/>
-            <a:ext cx="4798440" cy="3598200"/>
-          </a:xfrm>
-          <a:prstGeom prst="rect">
-            <a:avLst/>
-          </a:prstGeom>
-          <a:ln w="0">
-            <a:noFill/>
-          </a:ln>
-        </p:spPr>
-      </p:sp>
-      <p:sp>
-        <p:nvSpPr>
-          <p:cNvPr id="212" name="PlaceHolder 2"/>
+            <a:ext cx="4797720" cy="3597480"/>
+          </a:xfrm>
+          <a:prstGeom prst="rect">
+            <a:avLst/>
+          </a:prstGeom>
+          <a:ln w="0">
+            <a:noFill/>
+          </a:ln>
+        </p:spPr>
+      </p:sp>
+      <p:sp>
+        <p:nvSpPr>
+          <p:cNvPr id="216" name="PlaceHolder 2"/>
           <p:cNvSpPr>
             <a:spLocks noGrp="1"/>
           </p:cNvSpPr>
@@ -2345,7 +2345,7 @@
         <p:spPr>
           <a:xfrm>
             <a:off x="756000" y="5145120"/>
-            <a:ext cx="6038640" cy="4200840"/>
+            <a:ext cx="6037920" cy="4200120"/>
           </a:xfrm>
           <a:prstGeom prst="rect">
             <a:avLst/>
@@ -2368,14 +2368,14 @@
       </p:sp>
       <p:sp>
         <p:nvSpPr>
-          <p:cNvPr id="213" name="CustomShape 34"/>
+          <p:cNvPr id="217" name="CustomShape 34"/>
           <p:cNvSpPr/>
           <p:nvPr/>
         </p:nvSpPr>
         <p:spPr>
           <a:xfrm>
             <a:off x="0" y="10155240"/>
-            <a:ext cx="3267000" cy="527400"/>
+            <a:ext cx="3266280" cy="526680"/>
           </a:xfrm>
           <a:prstGeom prst="rect">
             <a:avLst/>
@@ -2442,7 +2442,7 @@
       </p:grpSpPr>
       <p:sp>
         <p:nvSpPr>
-          <p:cNvPr id="214" name="PlaceHolder 1"/>
+          <p:cNvPr id="218" name="PlaceHolder 1"/>
           <p:cNvSpPr>
             <a:spLocks noGrp="1"/>
           </p:cNvSpPr>
@@ -2453,19 +2453,19 @@
         <p:spPr>
           <a:xfrm>
             <a:off x="1376280" y="1336680"/>
-            <a:ext cx="4798440" cy="3598200"/>
-          </a:xfrm>
-          <a:prstGeom prst="rect">
-            <a:avLst/>
-          </a:prstGeom>
-          <a:ln w="0">
-            <a:noFill/>
-          </a:ln>
-        </p:spPr>
-      </p:sp>
-      <p:sp>
-        <p:nvSpPr>
-          <p:cNvPr id="215" name="PlaceHolder 2"/>
+            <a:ext cx="4797720" cy="3597480"/>
+          </a:xfrm>
+          <a:prstGeom prst="rect">
+            <a:avLst/>
+          </a:prstGeom>
+          <a:ln w="0">
+            <a:noFill/>
+          </a:ln>
+        </p:spPr>
+      </p:sp>
+      <p:sp>
+        <p:nvSpPr>
+          <p:cNvPr id="219" name="PlaceHolder 2"/>
           <p:cNvSpPr>
             <a:spLocks noGrp="1"/>
           </p:cNvSpPr>
@@ -2476,7 +2476,7 @@
         <p:spPr>
           <a:xfrm>
             <a:off x="756000" y="5145120"/>
-            <a:ext cx="6038640" cy="4200840"/>
+            <a:ext cx="6037920" cy="4200120"/>
           </a:xfrm>
           <a:prstGeom prst="rect">
             <a:avLst/>
@@ -2499,14 +2499,14 @@
       </p:sp>
       <p:sp>
         <p:nvSpPr>
-          <p:cNvPr id="216" name="CustomShape 39"/>
+          <p:cNvPr id="220" name="CustomShape 39"/>
           <p:cNvSpPr/>
           <p:nvPr/>
         </p:nvSpPr>
         <p:spPr>
           <a:xfrm>
             <a:off x="0" y="10155240"/>
-            <a:ext cx="3267000" cy="527400"/>
+            <a:ext cx="3266280" cy="526680"/>
           </a:xfrm>
           <a:prstGeom prst="rect">
             <a:avLst/>
@@ -5635,7 +5635,7 @@
         <p:spPr>
           <a:xfrm>
             <a:off x="0" y="3150000"/>
-            <a:ext cx="9711000" cy="1251000"/>
+            <a:ext cx="9710280" cy="1250280"/>
           </a:xfrm>
           <a:prstGeom prst="rect">
             <a:avLst/>
@@ -5933,7 +5933,7 @@
         <p:spPr>
           <a:xfrm>
             <a:off x="0" y="180000"/>
-            <a:ext cx="9711000" cy="1251000"/>
+            <a:ext cx="9710280" cy="1250280"/>
           </a:xfrm>
           <a:prstGeom prst="rect">
             <a:avLst/>
@@ -5961,7 +5961,7 @@
         <p:spPr>
           <a:xfrm>
             <a:off x="7560000" y="6840000"/>
-            <a:ext cx="2511000" cy="531000"/>
+            <a:ext cx="2510280" cy="530280"/>
           </a:xfrm>
           <a:prstGeom prst="rect">
             <a:avLst/>
@@ -5989,7 +5989,7 @@
         <p:spPr>
           <a:xfrm>
             <a:off x="900000" y="6840000"/>
-            <a:ext cx="6471000" cy="531000"/>
+            <a:ext cx="6470280" cy="530280"/>
           </a:xfrm>
           <a:prstGeom prst="rect">
             <a:avLst/>
@@ -6017,7 +6017,7 @@
         <p:spPr>
           <a:xfrm>
             <a:off x="180000" y="6840000"/>
-            <a:ext cx="531000" cy="531000"/>
+            <a:ext cx="530280" cy="530280"/>
           </a:xfrm>
           <a:prstGeom prst="rect">
             <a:avLst/>
@@ -6306,7 +6306,7 @@
         <p:spPr>
           <a:xfrm>
             <a:off x="360000" y="3330000"/>
-            <a:ext cx="9351000" cy="891000"/>
+            <a:ext cx="9350280" cy="890280"/>
           </a:xfrm>
           <a:prstGeom prst="rect">
             <a:avLst/>
@@ -6358,7 +6358,7 @@
         <p:spPr>
           <a:xfrm>
             <a:off x="540000" y="4680000"/>
-            <a:ext cx="9171000" cy="2511000"/>
+            <a:ext cx="9170280" cy="2510280"/>
           </a:xfrm>
           <a:prstGeom prst="rect">
             <a:avLst/>
@@ -6597,7 +6597,7 @@
         <p:spPr>
           <a:xfrm>
             <a:off x="360000" y="360000"/>
-            <a:ext cx="9351000" cy="891000"/>
+            <a:ext cx="9350280" cy="890280"/>
           </a:xfrm>
           <a:prstGeom prst="rect">
             <a:avLst/>
@@ -6649,7 +6649,7 @@
         <p:spPr>
           <a:xfrm>
             <a:off x="360000" y="1980000"/>
-            <a:ext cx="9171000" cy="4671000"/>
+            <a:ext cx="9170280" cy="4670280"/>
           </a:xfrm>
           <a:prstGeom prst="rect">
             <a:avLst/>
@@ -6708,7 +6708,7 @@
         <p:spPr>
           <a:xfrm>
             <a:off x="897120" y="6886080"/>
-            <a:ext cx="6438240" cy="356040"/>
+            <a:ext cx="6437520" cy="355320"/>
           </a:xfrm>
           <a:prstGeom prst="rect">
             <a:avLst/>
@@ -6760,7 +6760,7 @@
         <p:spPr>
           <a:xfrm>
             <a:off x="7608600" y="6886080"/>
-            <a:ext cx="2276280" cy="356040"/>
+            <a:ext cx="2275560" cy="355320"/>
           </a:xfrm>
           <a:prstGeom prst="rect">
             <a:avLst/>
@@ -6812,7 +6812,7 @@
         <p:spPr>
           <a:xfrm>
             <a:off x="327960" y="1553760"/>
-            <a:ext cx="9192240" cy="5126760"/>
+            <a:ext cx="9191520" cy="5126040"/>
           </a:xfrm>
           <a:prstGeom prst="rect">
             <a:avLst/>
@@ -7180,7 +7180,7 @@
         <p:spPr>
           <a:xfrm>
             <a:off x="360000" y="360000"/>
-            <a:ext cx="9351000" cy="891000"/>
+            <a:ext cx="9350280" cy="890280"/>
           </a:xfrm>
           <a:prstGeom prst="rect">
             <a:avLst/>
@@ -7232,7 +7232,7 @@
         <p:spPr>
           <a:xfrm>
             <a:off x="360000" y="1980000"/>
-            <a:ext cx="9171000" cy="4671000"/>
+            <a:ext cx="9170280" cy="4670280"/>
           </a:xfrm>
           <a:prstGeom prst="rect">
             <a:avLst/>
@@ -7291,7 +7291,7 @@
         <p:spPr>
           <a:xfrm>
             <a:off x="897120" y="6886080"/>
-            <a:ext cx="6438240" cy="356040"/>
+            <a:ext cx="6437520" cy="355320"/>
           </a:xfrm>
           <a:prstGeom prst="rect">
             <a:avLst/>
@@ -7343,7 +7343,7 @@
         <p:spPr>
           <a:xfrm>
             <a:off x="7608600" y="6886080"/>
-            <a:ext cx="2276280" cy="356040"/>
+            <a:ext cx="2275560" cy="355320"/>
           </a:xfrm>
           <a:prstGeom prst="rect">
             <a:avLst/>
@@ -7395,7 +7395,7 @@
         <p:spPr>
           <a:xfrm>
             <a:off x="327600" y="1553760"/>
-            <a:ext cx="9192240" cy="5126760"/>
+            <a:ext cx="9191520" cy="5126040"/>
           </a:xfrm>
           <a:prstGeom prst="rect">
             <a:avLst/>
@@ -7663,7 +7663,7 @@
         <p:spPr>
           <a:xfrm>
             <a:off x="3501720" y="1623960"/>
-            <a:ext cx="6264000" cy="353160"/>
+            <a:ext cx="6263280" cy="352440"/>
           </a:xfrm>
           <a:prstGeom prst="rect">
             <a:avLst/>
@@ -7719,7 +7719,30 @@
         <p:spPr>
           <a:xfrm>
             <a:off x="5984280" y="1973520"/>
-            <a:ext cx="3583440" cy="4800960"/>
+            <a:ext cx="3582720" cy="4800240"/>
+          </a:xfrm>
+          <a:prstGeom prst="rect">
+            <a:avLst/>
+          </a:prstGeom>
+          <a:ln w="0">
+            <a:noFill/>
+          </a:ln>
+        </p:spPr>
+      </p:pic>
+      <p:pic>
+        <p:nvPicPr>
+          <p:cNvPr id="154" name="" descr=""/>
+          <p:cNvPicPr/>
+          <p:nvPr/>
+        </p:nvPicPr>
+        <p:blipFill>
+          <a:blip r:embed="rId2"/>
+          <a:stretch/>
+        </p:blipFill>
+        <p:spPr>
+          <a:xfrm>
+            <a:off x="540000" y="1553760"/>
+            <a:ext cx="2053440" cy="576720"/>
           </a:xfrm>
           <a:prstGeom prst="rect">
             <a:avLst/>
@@ -7761,14 +7784,14 @@
       </p:grpSpPr>
       <p:sp>
         <p:nvSpPr>
-          <p:cNvPr id="154" name="CustomShape 80"/>
+          <p:cNvPr id="155" name="CustomShape 80"/>
           <p:cNvSpPr/>
           <p:nvPr/>
         </p:nvSpPr>
         <p:spPr>
           <a:xfrm>
             <a:off x="360000" y="360000"/>
-            <a:ext cx="9351000" cy="891000"/>
+            <a:ext cx="9350280" cy="890280"/>
           </a:xfrm>
           <a:prstGeom prst="rect">
             <a:avLst/>
@@ -7813,14 +7836,14 @@
       </p:sp>
       <p:sp>
         <p:nvSpPr>
-          <p:cNvPr id="155" name="CustomShape 81"/>
+          <p:cNvPr id="156" name="CustomShape 81"/>
           <p:cNvSpPr/>
           <p:nvPr/>
         </p:nvSpPr>
         <p:spPr>
           <a:xfrm>
             <a:off x="360000" y="1980000"/>
-            <a:ext cx="9171000" cy="4671000"/>
+            <a:ext cx="9170280" cy="4670280"/>
           </a:xfrm>
           <a:prstGeom prst="rect">
             <a:avLst/>
@@ -7872,14 +7895,14 @@
       </p:sp>
       <p:sp>
         <p:nvSpPr>
-          <p:cNvPr id="156" name="CustomShape 82"/>
+          <p:cNvPr id="157" name="CustomShape 82"/>
           <p:cNvSpPr/>
           <p:nvPr/>
         </p:nvSpPr>
         <p:spPr>
           <a:xfrm>
             <a:off x="897120" y="6886080"/>
-            <a:ext cx="6438240" cy="356040"/>
+            <a:ext cx="6437520" cy="355320"/>
           </a:xfrm>
           <a:prstGeom prst="rect">
             <a:avLst/>
@@ -7924,14 +7947,14 @@
       </p:sp>
       <p:sp>
         <p:nvSpPr>
-          <p:cNvPr id="157" name="CustomShape 83"/>
+          <p:cNvPr id="158" name="CustomShape 83"/>
           <p:cNvSpPr/>
           <p:nvPr/>
         </p:nvSpPr>
         <p:spPr>
           <a:xfrm>
             <a:off x="7608600" y="6886080"/>
-            <a:ext cx="2276280" cy="356040"/>
+            <a:ext cx="2275560" cy="355320"/>
           </a:xfrm>
           <a:prstGeom prst="rect">
             <a:avLst/>
@@ -7976,14 +7999,14 @@
       </p:sp>
       <p:sp>
         <p:nvSpPr>
-          <p:cNvPr id="158" name=""/>
+          <p:cNvPr id="159" name=""/>
           <p:cNvSpPr/>
           <p:nvPr/>
         </p:nvSpPr>
         <p:spPr>
           <a:xfrm>
             <a:off x="327600" y="1553760"/>
-            <a:ext cx="9192240" cy="5126760"/>
+            <a:ext cx="9191520" cy="5126040"/>
           </a:xfrm>
           <a:prstGeom prst="rect">
             <a:avLst/>
@@ -8261,7 +8284,7 @@
               </a:lnSpc>
               <a:buNone/>
             </a:pPr>
-            <a:endParaRPr b="0" lang="pt-BR" sz="1800" spc="-1" strike="noStrike">
+            <a:endParaRPr b="0" lang="pt-BR" sz="1600" spc="-1" strike="noStrike">
               <a:latin typeface="Arial"/>
             </a:endParaRPr>
           </a:p>
@@ -8426,7 +8449,7 @@
       </p:sp>
       <p:pic>
         <p:nvPicPr>
-          <p:cNvPr id="159" name="" descr=""/>
+          <p:cNvPr id="160" name="" descr=""/>
           <p:cNvPicPr/>
           <p:nvPr/>
         </p:nvPicPr>
@@ -8437,7 +8460,7 @@
         <p:spPr>
           <a:xfrm>
             <a:off x="6247080" y="2325600"/>
-            <a:ext cx="3320640" cy="4448880"/>
+            <a:ext cx="3319920" cy="4448160"/>
           </a:xfrm>
           <a:prstGeom prst="rect">
             <a:avLst/>
@@ -8449,14 +8472,14 @@
       </p:pic>
       <p:sp>
         <p:nvSpPr>
-          <p:cNvPr id="160" name=""/>
+          <p:cNvPr id="161" name=""/>
           <p:cNvSpPr/>
           <p:nvPr/>
         </p:nvSpPr>
         <p:spPr>
           <a:xfrm>
             <a:off x="3501720" y="1623960"/>
-            <a:ext cx="6264000" cy="353160"/>
+            <a:ext cx="6263280" cy="352440"/>
           </a:xfrm>
           <a:prstGeom prst="rect">
             <a:avLst/>
@@ -8499,6 +8522,29 @@
           </a:p>
         </p:txBody>
       </p:sp>
+      <p:pic>
+        <p:nvPicPr>
+          <p:cNvPr id="162" name="" descr=""/>
+          <p:cNvPicPr/>
+          <p:nvPr/>
+        </p:nvPicPr>
+        <p:blipFill>
+          <a:blip r:embed="rId2"/>
+          <a:stretch/>
+        </p:blipFill>
+        <p:spPr>
+          <a:xfrm>
+            <a:off x="540360" y="1554120"/>
+            <a:ext cx="1439280" cy="404280"/>
+          </a:xfrm>
+          <a:prstGeom prst="rect">
+            <a:avLst/>
+          </a:prstGeom>
+          <a:ln w="0">
+            <a:noFill/>
+          </a:ln>
+        </p:spPr>
+      </p:pic>
     </p:spTree>
   </p:cSld>
   <mc:AlternateContent>
@@ -8531,14 +8577,14 @@
       </p:grpSpPr>
       <p:sp>
         <p:nvSpPr>
-          <p:cNvPr id="161" name="CustomShape 50"/>
+          <p:cNvPr id="163" name="CustomShape 50"/>
           <p:cNvSpPr/>
           <p:nvPr/>
         </p:nvSpPr>
         <p:spPr>
           <a:xfrm>
             <a:off x="360000" y="360000"/>
-            <a:ext cx="9351000" cy="891000"/>
+            <a:ext cx="9350280" cy="890280"/>
           </a:xfrm>
           <a:prstGeom prst="rect">
             <a:avLst/>
@@ -8583,14 +8629,14 @@
       </p:sp>
       <p:sp>
         <p:nvSpPr>
-          <p:cNvPr id="162" name="CustomShape 52"/>
+          <p:cNvPr id="164" name="CustomShape 52"/>
           <p:cNvSpPr/>
           <p:nvPr/>
         </p:nvSpPr>
         <p:spPr>
           <a:xfrm>
             <a:off x="897120" y="6886080"/>
-            <a:ext cx="6438240" cy="356040"/>
+            <a:ext cx="6437520" cy="355320"/>
           </a:xfrm>
           <a:prstGeom prst="rect">
             <a:avLst/>
@@ -8635,14 +8681,14 @@
       </p:sp>
       <p:sp>
         <p:nvSpPr>
-          <p:cNvPr id="163" name="CustomShape 53"/>
+          <p:cNvPr id="165" name="CustomShape 53"/>
           <p:cNvSpPr/>
           <p:nvPr/>
         </p:nvSpPr>
         <p:spPr>
           <a:xfrm>
             <a:off x="7608600" y="6886080"/>
-            <a:ext cx="2276280" cy="356040"/>
+            <a:ext cx="2275560" cy="355320"/>
           </a:xfrm>
           <a:prstGeom prst="rect">
             <a:avLst/>
@@ -8687,14 +8733,14 @@
       </p:sp>
       <p:sp>
         <p:nvSpPr>
-          <p:cNvPr id="164" name=""/>
+          <p:cNvPr id="166" name=""/>
           <p:cNvSpPr/>
           <p:nvPr/>
         </p:nvSpPr>
         <p:spPr>
           <a:xfrm>
             <a:off x="327600" y="1553760"/>
-            <a:ext cx="9192240" cy="5126760"/>
+            <a:ext cx="9191520" cy="5126040"/>
           </a:xfrm>
           <a:prstGeom prst="rect">
             <a:avLst/>
@@ -9177,7 +9223,7 @@
       </p:sp>
       <p:pic>
         <p:nvPicPr>
-          <p:cNvPr id="165" name="" descr=""/>
+          <p:cNvPr id="167" name="" descr=""/>
           <p:cNvPicPr/>
           <p:nvPr/>
         </p:nvPicPr>
@@ -9188,7 +9234,7 @@
         <p:spPr>
           <a:xfrm>
             <a:off x="6463800" y="2325600"/>
-            <a:ext cx="3103920" cy="4158360"/>
+            <a:ext cx="3103200" cy="4157640"/>
           </a:xfrm>
           <a:prstGeom prst="rect">
             <a:avLst/>
@@ -9200,14 +9246,14 @@
       </p:pic>
       <p:sp>
         <p:nvSpPr>
-          <p:cNvPr id="166" name=""/>
+          <p:cNvPr id="168" name=""/>
           <p:cNvSpPr/>
           <p:nvPr/>
         </p:nvSpPr>
         <p:spPr>
           <a:xfrm>
             <a:off x="3501720" y="1623960"/>
-            <a:ext cx="6264000" cy="353160"/>
+            <a:ext cx="6263280" cy="352440"/>
           </a:xfrm>
           <a:prstGeom prst="rect">
             <a:avLst/>
@@ -9250,6 +9296,29 @@
           </a:p>
         </p:txBody>
       </p:sp>
+      <p:pic>
+        <p:nvPicPr>
+          <p:cNvPr id="169" name="" descr=""/>
+          <p:cNvPicPr/>
+          <p:nvPr/>
+        </p:nvPicPr>
+        <p:blipFill>
+          <a:blip r:embed="rId2"/>
+          <a:stretch/>
+        </p:blipFill>
+        <p:spPr>
+          <a:xfrm>
+            <a:off x="540720" y="1554120"/>
+            <a:ext cx="1439280" cy="404280"/>
+          </a:xfrm>
+          <a:prstGeom prst="rect">
+            <a:avLst/>
+          </a:prstGeom>
+          <a:ln w="0">
+            <a:noFill/>
+          </a:ln>
+        </p:spPr>
+      </p:pic>
     </p:spTree>
   </p:cSld>
   <mc:AlternateContent>
@@ -9282,14 +9351,14 @@
       </p:grpSpPr>
       <p:sp>
         <p:nvSpPr>
-          <p:cNvPr id="167" name="CustomShape 55"/>
+          <p:cNvPr id="170" name="CustomShape 55"/>
           <p:cNvSpPr/>
           <p:nvPr/>
         </p:nvSpPr>
         <p:spPr>
           <a:xfrm>
             <a:off x="360000" y="360000"/>
-            <a:ext cx="9351000" cy="891000"/>
+            <a:ext cx="9350280" cy="890280"/>
           </a:xfrm>
           <a:prstGeom prst="rect">
             <a:avLst/>
@@ -9334,14 +9403,14 @@
       </p:sp>
       <p:sp>
         <p:nvSpPr>
-          <p:cNvPr id="168" name="CustomShape 56"/>
+          <p:cNvPr id="171" name="CustomShape 56"/>
           <p:cNvSpPr/>
           <p:nvPr/>
         </p:nvSpPr>
         <p:spPr>
           <a:xfrm>
             <a:off x="360000" y="1980000"/>
-            <a:ext cx="9171000" cy="4671000"/>
+            <a:ext cx="9170280" cy="4670280"/>
           </a:xfrm>
           <a:prstGeom prst="rect">
             <a:avLst/>
@@ -9393,14 +9462,14 @@
       </p:sp>
       <p:sp>
         <p:nvSpPr>
-          <p:cNvPr id="169" name="CustomShape 57"/>
+          <p:cNvPr id="172" name="CustomShape 57"/>
           <p:cNvSpPr/>
           <p:nvPr/>
         </p:nvSpPr>
         <p:spPr>
           <a:xfrm>
             <a:off x="897120" y="6886080"/>
-            <a:ext cx="6438240" cy="356040"/>
+            <a:ext cx="6437520" cy="355320"/>
           </a:xfrm>
           <a:prstGeom prst="rect">
             <a:avLst/>
@@ -9445,14 +9514,14 @@
       </p:sp>
       <p:sp>
         <p:nvSpPr>
-          <p:cNvPr id="170" name="CustomShape 58"/>
+          <p:cNvPr id="173" name="CustomShape 58"/>
           <p:cNvSpPr/>
           <p:nvPr/>
         </p:nvSpPr>
         <p:spPr>
           <a:xfrm>
             <a:off x="7608600" y="6886080"/>
-            <a:ext cx="2276280" cy="356040"/>
+            <a:ext cx="2275560" cy="355320"/>
           </a:xfrm>
           <a:prstGeom prst="rect">
             <a:avLst/>
@@ -9497,14 +9566,14 @@
       </p:sp>
       <p:sp>
         <p:nvSpPr>
-          <p:cNvPr id="171" name=""/>
+          <p:cNvPr id="174" name=""/>
           <p:cNvSpPr/>
           <p:nvPr/>
         </p:nvSpPr>
         <p:spPr>
           <a:xfrm>
             <a:off x="327960" y="1553760"/>
-            <a:ext cx="9192240" cy="5126760"/>
+            <a:ext cx="9191520" cy="5126040"/>
           </a:xfrm>
           <a:prstGeom prst="rect">
             <a:avLst/>
@@ -9788,7 +9857,7 @@
       </p:sp>
       <p:pic>
         <p:nvPicPr>
-          <p:cNvPr id="172" name="" descr=""/>
+          <p:cNvPr id="175" name="" descr=""/>
           <p:cNvPicPr/>
           <p:nvPr/>
         </p:nvPicPr>
@@ -9799,7 +9868,7 @@
         <p:spPr>
           <a:xfrm>
             <a:off x="6275160" y="2185560"/>
-            <a:ext cx="3320640" cy="4448880"/>
+            <a:ext cx="3319920" cy="4448160"/>
           </a:xfrm>
           <a:prstGeom prst="rect">
             <a:avLst/>
@@ -9811,14 +9880,14 @@
       </p:pic>
       <p:sp>
         <p:nvSpPr>
-          <p:cNvPr id="173" name=""/>
+          <p:cNvPr id="176" name=""/>
           <p:cNvSpPr/>
           <p:nvPr/>
         </p:nvSpPr>
         <p:spPr>
           <a:xfrm>
             <a:off x="3501720" y="1623960"/>
-            <a:ext cx="6264000" cy="353160"/>
+            <a:ext cx="6263280" cy="352440"/>
           </a:xfrm>
           <a:prstGeom prst="rect">
             <a:avLst/>
@@ -9861,6 +9930,29 @@
           </a:p>
         </p:txBody>
       </p:sp>
+      <p:pic>
+        <p:nvPicPr>
+          <p:cNvPr id="177" name="" descr=""/>
+          <p:cNvPicPr/>
+          <p:nvPr/>
+        </p:nvPicPr>
+        <p:blipFill>
+          <a:blip r:embed="rId2"/>
+          <a:stretch/>
+        </p:blipFill>
+        <p:spPr>
+          <a:xfrm>
+            <a:off x="540720" y="1554120"/>
+            <a:ext cx="1439280" cy="404280"/>
+          </a:xfrm>
+          <a:prstGeom prst="rect">
+            <a:avLst/>
+          </a:prstGeom>
+          <a:ln w="0">
+            <a:noFill/>
+          </a:ln>
+        </p:spPr>
+      </p:pic>
     </p:spTree>
   </p:cSld>
   <mc:AlternateContent>
@@ -9893,14 +9985,14 @@
       </p:grpSpPr>
       <p:sp>
         <p:nvSpPr>
-          <p:cNvPr id="174" name="CustomShape 60"/>
+          <p:cNvPr id="178" name="CustomShape 60"/>
           <p:cNvSpPr/>
           <p:nvPr/>
         </p:nvSpPr>
         <p:spPr>
           <a:xfrm>
             <a:off x="360000" y="360000"/>
-            <a:ext cx="9351000" cy="891000"/>
+            <a:ext cx="9350280" cy="890280"/>
           </a:xfrm>
           <a:prstGeom prst="rect">
             <a:avLst/>
@@ -9945,14 +10037,14 @@
       </p:sp>
       <p:sp>
         <p:nvSpPr>
-          <p:cNvPr id="175" name="CustomShape 61"/>
+          <p:cNvPr id="179" name="CustomShape 61"/>
           <p:cNvSpPr/>
           <p:nvPr/>
         </p:nvSpPr>
         <p:spPr>
           <a:xfrm>
             <a:off x="360000" y="1980000"/>
-            <a:ext cx="9171000" cy="4671000"/>
+            <a:ext cx="9170280" cy="4670280"/>
           </a:xfrm>
           <a:prstGeom prst="rect">
             <a:avLst/>
@@ -10004,14 +10096,14 @@
       </p:sp>
       <p:sp>
         <p:nvSpPr>
-          <p:cNvPr id="176" name="CustomShape 62"/>
+          <p:cNvPr id="180" name="CustomShape 62"/>
           <p:cNvSpPr/>
           <p:nvPr/>
         </p:nvSpPr>
         <p:spPr>
           <a:xfrm>
             <a:off x="897120" y="6886080"/>
-            <a:ext cx="6438240" cy="356040"/>
+            <a:ext cx="6437520" cy="355320"/>
           </a:xfrm>
           <a:prstGeom prst="rect">
             <a:avLst/>
@@ -10056,14 +10148,14 @@
       </p:sp>
       <p:sp>
         <p:nvSpPr>
-          <p:cNvPr id="177" name="CustomShape 63"/>
+          <p:cNvPr id="181" name="CustomShape 63"/>
           <p:cNvSpPr/>
           <p:nvPr/>
         </p:nvSpPr>
         <p:spPr>
           <a:xfrm>
             <a:off x="7608600" y="6886080"/>
-            <a:ext cx="2276280" cy="356040"/>
+            <a:ext cx="2275560" cy="355320"/>
           </a:xfrm>
           <a:prstGeom prst="rect">
             <a:avLst/>
@@ -10108,14 +10200,14 @@
       </p:sp>
       <p:sp>
         <p:nvSpPr>
-          <p:cNvPr id="178" name=""/>
+          <p:cNvPr id="182" name=""/>
           <p:cNvSpPr/>
           <p:nvPr/>
         </p:nvSpPr>
         <p:spPr>
           <a:xfrm>
             <a:off x="327960" y="1553760"/>
-            <a:ext cx="9192240" cy="5126760"/>
+            <a:ext cx="9191520" cy="5126040"/>
           </a:xfrm>
           <a:prstGeom prst="rect">
             <a:avLst/>
@@ -10192,7 +10284,7 @@
                 <a:latin typeface="Latin Modern Sans"/>
                 <a:ea typeface="DejaVu Sans"/>
               </a:rPr>
-              <a:t>De maneira simples:</a:t>
+              <a:t>De maneira breve:</a:t>
             </a:r>
             <a:endParaRPr b="0" lang="pt-BR" sz="1800" spc="-1" strike="noStrike">
               <a:latin typeface="Arial"/>
@@ -10291,7 +10383,7 @@
       </p:sp>
       <p:pic>
         <p:nvPicPr>
-          <p:cNvPr id="179" name="" descr=""/>
+          <p:cNvPr id="183" name="" descr=""/>
           <p:cNvPicPr/>
           <p:nvPr/>
         </p:nvPicPr>
@@ -10302,7 +10394,7 @@
         <p:spPr>
           <a:xfrm>
             <a:off x="3060000" y="3918600"/>
-            <a:ext cx="4551120" cy="2779560"/>
+            <a:ext cx="4550400" cy="2778840"/>
           </a:xfrm>
           <a:prstGeom prst="rect">
             <a:avLst/>
@@ -10344,14 +10436,14 @@
       </p:grpSpPr>
       <p:sp>
         <p:nvSpPr>
-          <p:cNvPr id="180" name="CustomShape 65"/>
+          <p:cNvPr id="184" name="CustomShape 65"/>
           <p:cNvSpPr/>
           <p:nvPr/>
         </p:nvSpPr>
         <p:spPr>
           <a:xfrm>
             <a:off x="360000" y="360000"/>
-            <a:ext cx="9351000" cy="891000"/>
+            <a:ext cx="9350280" cy="890280"/>
           </a:xfrm>
           <a:prstGeom prst="rect">
             <a:avLst/>
@@ -10396,14 +10488,14 @@
       </p:sp>
       <p:sp>
         <p:nvSpPr>
-          <p:cNvPr id="181" name="CustomShape 66"/>
+          <p:cNvPr id="185" name="CustomShape 66"/>
           <p:cNvSpPr/>
           <p:nvPr/>
         </p:nvSpPr>
         <p:spPr>
           <a:xfrm>
             <a:off x="360000" y="1980000"/>
-            <a:ext cx="9171000" cy="4671000"/>
+            <a:ext cx="9170280" cy="4670280"/>
           </a:xfrm>
           <a:prstGeom prst="rect">
             <a:avLst/>
@@ -10455,14 +10547,14 @@
       </p:sp>
       <p:sp>
         <p:nvSpPr>
-          <p:cNvPr id="182" name="CustomShape 67"/>
+          <p:cNvPr id="186" name="CustomShape 67"/>
           <p:cNvSpPr/>
           <p:nvPr/>
         </p:nvSpPr>
         <p:spPr>
           <a:xfrm>
             <a:off x="897120" y="6886080"/>
-            <a:ext cx="6438240" cy="356040"/>
+            <a:ext cx="6437520" cy="355320"/>
           </a:xfrm>
           <a:prstGeom prst="rect">
             <a:avLst/>
@@ -10507,14 +10599,14 @@
       </p:sp>
       <p:sp>
         <p:nvSpPr>
-          <p:cNvPr id="183" name="CustomShape 68"/>
+          <p:cNvPr id="187" name="CustomShape 68"/>
           <p:cNvSpPr/>
           <p:nvPr/>
         </p:nvSpPr>
         <p:spPr>
           <a:xfrm>
             <a:off x="7608600" y="6886080"/>
-            <a:ext cx="2276280" cy="356040"/>
+            <a:ext cx="2275560" cy="355320"/>
           </a:xfrm>
           <a:prstGeom prst="rect">
             <a:avLst/>
@@ -10559,14 +10651,14 @@
       </p:sp>
       <p:sp>
         <p:nvSpPr>
-          <p:cNvPr id="184" name=""/>
+          <p:cNvPr id="188" name=""/>
           <p:cNvSpPr/>
           <p:nvPr/>
         </p:nvSpPr>
         <p:spPr>
           <a:xfrm>
             <a:off x="327960" y="1553760"/>
-            <a:ext cx="9192240" cy="5126760"/>
+            <a:ext cx="9191520" cy="5126040"/>
           </a:xfrm>
           <a:prstGeom prst="rect">
             <a:avLst/>
@@ -10670,32 +10762,6 @@
                 <a:ea typeface="DejaVu Sans"/>
               </a:rPr>
               <a:t>Velocidade</a:t>
-            </a:r>
-            <a:endParaRPr b="0" lang="pt-BR" sz="1800" spc="-1" strike="noStrike">
-              <a:latin typeface="Arial"/>
-            </a:endParaRPr>
-          </a:p>
-          <a:p>
-            <a:pPr lvl="1" marL="432000" indent="-216000">
-              <a:lnSpc>
-                <a:spcPct val="150000"/>
-              </a:lnSpc>
-              <a:buClr>
-                <a:srgbClr val="000000"/>
-              </a:buClr>
-              <a:buSzPct val="45000"/>
-              <a:buFont typeface="Wingdings" charset="2"/>
-              <a:buChar char=""/>
-            </a:pPr>
-            <a:r>
-              <a:rPr b="0" lang="pt-BR" sz="1800" spc="-1" strike="noStrike">
-                <a:solidFill>
-                  <a:srgbClr val="1c1c1c"/>
-                </a:solidFill>
-                <a:latin typeface="Latin Modern Sans"/>
-                <a:ea typeface="DejaVu Sans"/>
-              </a:rPr>
-              <a:t>Dados mistos: Categóricos e Numéricos</a:t>
             </a:r>
             <a:endParaRPr b="0" lang="pt-BR" sz="1800" spc="-1" strike="noStrike">
               <a:latin typeface="Arial"/>
@@ -10861,14 +10927,14 @@
       </p:grpSpPr>
       <p:sp>
         <p:nvSpPr>
-          <p:cNvPr id="185" name="CustomShape 70"/>
+          <p:cNvPr id="189" name="CustomShape 70"/>
           <p:cNvSpPr/>
           <p:nvPr/>
         </p:nvSpPr>
         <p:spPr>
           <a:xfrm>
             <a:off x="360000" y="360000"/>
-            <a:ext cx="9351000" cy="891000"/>
+            <a:ext cx="9350280" cy="890280"/>
           </a:xfrm>
           <a:prstGeom prst="rect">
             <a:avLst/>
@@ -10913,14 +10979,14 @@
       </p:sp>
       <p:sp>
         <p:nvSpPr>
-          <p:cNvPr id="186" name="CustomShape 71"/>
+          <p:cNvPr id="190" name="CustomShape 71"/>
           <p:cNvSpPr/>
           <p:nvPr/>
         </p:nvSpPr>
         <p:spPr>
           <a:xfrm>
             <a:off x="360000" y="1980000"/>
-            <a:ext cx="9171000" cy="4671000"/>
+            <a:ext cx="9170280" cy="4670280"/>
           </a:xfrm>
           <a:prstGeom prst="rect">
             <a:avLst/>
@@ -10972,14 +11038,14 @@
       </p:sp>
       <p:sp>
         <p:nvSpPr>
-          <p:cNvPr id="187" name="CustomShape 72"/>
+          <p:cNvPr id="191" name="CustomShape 72"/>
           <p:cNvSpPr/>
           <p:nvPr/>
         </p:nvSpPr>
         <p:spPr>
           <a:xfrm>
             <a:off x="897120" y="6886080"/>
-            <a:ext cx="6438240" cy="356040"/>
+            <a:ext cx="6437520" cy="355320"/>
           </a:xfrm>
           <a:prstGeom prst="rect">
             <a:avLst/>
@@ -11024,14 +11090,14 @@
       </p:sp>
       <p:sp>
         <p:nvSpPr>
-          <p:cNvPr id="188" name="CustomShape 73"/>
+          <p:cNvPr id="192" name="CustomShape 73"/>
           <p:cNvSpPr/>
           <p:nvPr/>
         </p:nvSpPr>
         <p:spPr>
           <a:xfrm>
             <a:off x="7608600" y="6886080"/>
-            <a:ext cx="2276280" cy="356040"/>
+            <a:ext cx="2275560" cy="355320"/>
           </a:xfrm>
           <a:prstGeom prst="rect">
             <a:avLst/>
@@ -11076,14 +11142,14 @@
       </p:sp>
       <p:sp>
         <p:nvSpPr>
-          <p:cNvPr id="189" name=""/>
+          <p:cNvPr id="193" name=""/>
           <p:cNvSpPr/>
           <p:nvPr/>
         </p:nvSpPr>
         <p:spPr>
           <a:xfrm>
             <a:off x="327960" y="1553760"/>
-            <a:ext cx="9192240" cy="5126760"/>
+            <a:ext cx="9191520" cy="5126040"/>
           </a:xfrm>
           <a:prstGeom prst="rect">
             <a:avLst/>
@@ -11256,7 +11322,7 @@
         <p:spPr>
           <a:xfrm>
             <a:off x="360000" y="360000"/>
-            <a:ext cx="9351000" cy="891000"/>
+            <a:ext cx="9350280" cy="890280"/>
           </a:xfrm>
           <a:prstGeom prst="rect">
             <a:avLst/>
@@ -11308,7 +11374,7 @@
         <p:spPr>
           <a:xfrm>
             <a:off x="360000" y="1980000"/>
-            <a:ext cx="9171000" cy="4671000"/>
+            <a:ext cx="9170280" cy="4670280"/>
           </a:xfrm>
           <a:prstGeom prst="rect">
             <a:avLst/>
@@ -11498,7 +11564,7 @@
         <p:spPr>
           <a:xfrm>
             <a:off x="897120" y="6886080"/>
-            <a:ext cx="6438240" cy="356040"/>
+            <a:ext cx="6437520" cy="355320"/>
           </a:xfrm>
           <a:prstGeom prst="rect">
             <a:avLst/>
@@ -11550,7 +11616,7 @@
         <p:spPr>
           <a:xfrm>
             <a:off x="7608600" y="6886080"/>
-            <a:ext cx="2276280" cy="356040"/>
+            <a:ext cx="2275560" cy="355320"/>
           </a:xfrm>
           <a:prstGeom prst="rect">
             <a:avLst/>
@@ -11606,7 +11672,7 @@
         <p:spPr>
           <a:xfrm>
             <a:off x="1815480" y="4146120"/>
-            <a:ext cx="7184520" cy="2153880"/>
+            <a:ext cx="7183800" cy="2153160"/>
           </a:xfrm>
           <a:prstGeom prst="rect">
             <a:avLst/>
@@ -11659,7 +11725,7 @@
         <p:spPr>
           <a:xfrm>
             <a:off x="784080" y="4832640"/>
-            <a:ext cx="4131360" cy="1845720"/>
+            <a:ext cx="4130640" cy="1845000"/>
           </a:xfrm>
           <a:prstGeom prst="rect">
             <a:avLst/>
@@ -11678,7 +11744,7 @@
         <p:spPr>
           <a:xfrm>
             <a:off x="360000" y="360000"/>
-            <a:ext cx="9351000" cy="891000"/>
+            <a:ext cx="9350280" cy="890280"/>
           </a:xfrm>
           <a:prstGeom prst="rect">
             <a:avLst/>
@@ -11730,7 +11796,7 @@
         <p:spPr>
           <a:xfrm>
             <a:off x="360000" y="1980000"/>
-            <a:ext cx="9171000" cy="4671000"/>
+            <a:ext cx="9170280" cy="4670280"/>
           </a:xfrm>
           <a:prstGeom prst="rect">
             <a:avLst/>
@@ -11789,7 +11855,7 @@
         <p:spPr>
           <a:xfrm>
             <a:off x="897120" y="6886080"/>
-            <a:ext cx="6438240" cy="356040"/>
+            <a:ext cx="6437520" cy="355320"/>
           </a:xfrm>
           <a:prstGeom prst="rect">
             <a:avLst/>
@@ -11841,7 +11907,7 @@
         <p:spPr>
           <a:xfrm>
             <a:off x="7608600" y="6886080"/>
-            <a:ext cx="2276280" cy="356040"/>
+            <a:ext cx="2275560" cy="355320"/>
           </a:xfrm>
           <a:prstGeom prst="rect">
             <a:avLst/>
@@ -11893,7 +11959,7 @@
         <p:spPr>
           <a:xfrm>
             <a:off x="342360" y="1529280"/>
-            <a:ext cx="6772320" cy="5360760"/>
+            <a:ext cx="6771600" cy="5360040"/>
           </a:xfrm>
           <a:prstGeom prst="rect">
             <a:avLst/>
@@ -12146,7 +12212,7 @@
         <p:spPr>
           <a:xfrm>
             <a:off x="3754080" y="1667160"/>
-            <a:ext cx="3331800" cy="2886120"/>
+            <a:ext cx="3331080" cy="2885400"/>
           </a:xfrm>
           <a:prstGeom prst="rect">
             <a:avLst/>
@@ -12169,7 +12235,7 @@
         <p:spPr>
           <a:xfrm>
             <a:off x="5310720" y="4656240"/>
-            <a:ext cx="4100400" cy="2054880"/>
+            <a:ext cx="4099680" cy="2054160"/>
           </a:xfrm>
           <a:prstGeom prst="rect">
             <a:avLst/>
@@ -12188,7 +12254,7 @@
         <p:spPr>
           <a:xfrm>
             <a:off x="1596600" y="5505120"/>
-            <a:ext cx="1595880" cy="979200"/>
+            <a:ext cx="1595160" cy="978480"/>
           </a:xfrm>
           <a:custGeom>
             <a:avLst/>
@@ -12333,7 +12399,7 @@
         <p:spPr>
           <a:xfrm>
             <a:off x="360000" y="360000"/>
-            <a:ext cx="9351000" cy="891000"/>
+            <a:ext cx="9350280" cy="890280"/>
           </a:xfrm>
           <a:prstGeom prst="rect">
             <a:avLst/>
@@ -12385,7 +12451,7 @@
         <p:spPr>
           <a:xfrm>
             <a:off x="360000" y="1980000"/>
-            <a:ext cx="9171000" cy="4671000"/>
+            <a:ext cx="9170280" cy="4670280"/>
           </a:xfrm>
           <a:prstGeom prst="rect">
             <a:avLst/>
@@ -12444,7 +12510,7 @@
         <p:spPr>
           <a:xfrm>
             <a:off x="897120" y="6886080"/>
-            <a:ext cx="6438240" cy="356040"/>
+            <a:ext cx="6437520" cy="355320"/>
           </a:xfrm>
           <a:prstGeom prst="rect">
             <a:avLst/>
@@ -12496,7 +12562,7 @@
         <p:spPr>
           <a:xfrm>
             <a:off x="7608600" y="6886080"/>
-            <a:ext cx="2276280" cy="356040"/>
+            <a:ext cx="2275560" cy="355320"/>
           </a:xfrm>
           <a:prstGeom prst="rect">
             <a:avLst/>
@@ -12548,7 +12614,7 @@
         <p:spPr>
           <a:xfrm>
             <a:off x="327960" y="1553760"/>
-            <a:ext cx="9192240" cy="5126760"/>
+            <a:ext cx="9191520" cy="5126040"/>
           </a:xfrm>
           <a:prstGeom prst="rect">
             <a:avLst/>
@@ -12679,7 +12745,7 @@
         <p:spPr>
           <a:xfrm>
             <a:off x="2171520" y="2815560"/>
-            <a:ext cx="6132240" cy="3836880"/>
+            <a:ext cx="6131520" cy="3836160"/>
           </a:xfrm>
           <a:prstGeom prst="rect">
             <a:avLst/>
@@ -12732,7 +12798,7 @@
         <p:spPr>
           <a:xfrm>
             <a:off x="5091120" y="3344040"/>
-            <a:ext cx="4551120" cy="2779560"/>
+            <a:ext cx="4550400" cy="2778840"/>
           </a:xfrm>
           <a:prstGeom prst="rect">
             <a:avLst/>
@@ -12751,7 +12817,7 @@
         <p:spPr>
           <a:xfrm>
             <a:off x="360000" y="360000"/>
-            <a:ext cx="9351000" cy="891000"/>
+            <a:ext cx="9350280" cy="890280"/>
           </a:xfrm>
           <a:prstGeom prst="rect">
             <a:avLst/>
@@ -12803,7 +12869,7 @@
         <p:spPr>
           <a:xfrm>
             <a:off x="360000" y="1980000"/>
-            <a:ext cx="9171000" cy="4671000"/>
+            <a:ext cx="9170280" cy="4670280"/>
           </a:xfrm>
           <a:prstGeom prst="rect">
             <a:avLst/>
@@ -12862,7 +12928,7 @@
         <p:spPr>
           <a:xfrm>
             <a:off x="897120" y="6886080"/>
-            <a:ext cx="6438240" cy="356040"/>
+            <a:ext cx="6437520" cy="355320"/>
           </a:xfrm>
           <a:prstGeom prst="rect">
             <a:avLst/>
@@ -12914,7 +12980,7 @@
         <p:spPr>
           <a:xfrm>
             <a:off x="7608600" y="6886080"/>
-            <a:ext cx="2276280" cy="356040"/>
+            <a:ext cx="2275560" cy="355320"/>
           </a:xfrm>
           <a:prstGeom prst="rect">
             <a:avLst/>
@@ -12966,7 +13032,7 @@
         <p:spPr>
           <a:xfrm>
             <a:off x="327960" y="1553760"/>
-            <a:ext cx="9192240" cy="5126760"/>
+            <a:ext cx="9191520" cy="5126040"/>
           </a:xfrm>
           <a:prstGeom prst="rect">
             <a:avLst/>
@@ -13017,7 +13083,7 @@
                 <a:latin typeface="Latin Modern Sans"/>
                 <a:ea typeface="DejaVu Sans"/>
               </a:rPr>
-              <a:t>Como definir atributos relevantes e limiares?</a:t>
+              <a:t>Como definir atributos relevantes?</a:t>
             </a:r>
             <a:endParaRPr b="0" lang="pt-BR" sz="1800" spc="-1" strike="noStrike">
               <a:latin typeface="Arial"/>
@@ -13097,7 +13163,7 @@
         <p:spPr>
           <a:xfrm>
             <a:off x="505440" y="2927160"/>
-            <a:ext cx="3651480" cy="3332520"/>
+            <a:ext cx="3650760" cy="3331800"/>
           </a:xfrm>
           <a:prstGeom prst="rect">
             <a:avLst/>
@@ -13116,7 +13182,7 @@
         <p:spPr>
           <a:xfrm>
             <a:off x="4356000" y="3291840"/>
-            <a:ext cx="2282400" cy="601200"/>
+            <a:ext cx="2281680" cy="600480"/>
           </a:xfrm>
           <a:custGeom>
             <a:avLst/>
@@ -13227,7 +13293,7 @@
         <p:spPr>
           <a:xfrm>
             <a:off x="360000" y="360000"/>
-            <a:ext cx="9351000" cy="891000"/>
+            <a:ext cx="9350280" cy="890280"/>
           </a:xfrm>
           <a:prstGeom prst="rect">
             <a:avLst/>
@@ -13279,7 +13345,7 @@
         <p:spPr>
           <a:xfrm>
             <a:off x="360000" y="1980000"/>
-            <a:ext cx="9171000" cy="4671000"/>
+            <a:ext cx="9170280" cy="4670280"/>
           </a:xfrm>
           <a:prstGeom prst="rect">
             <a:avLst/>
@@ -13338,7 +13404,7 @@
         <p:spPr>
           <a:xfrm>
             <a:off x="897120" y="6886080"/>
-            <a:ext cx="6438240" cy="356040"/>
+            <a:ext cx="6437520" cy="355320"/>
           </a:xfrm>
           <a:prstGeom prst="rect">
             <a:avLst/>
@@ -13390,7 +13456,7 @@
         <p:spPr>
           <a:xfrm>
             <a:off x="7608600" y="6886080"/>
-            <a:ext cx="2276280" cy="356040"/>
+            <a:ext cx="2275560" cy="355320"/>
           </a:xfrm>
           <a:prstGeom prst="rect">
             <a:avLst/>
@@ -13442,7 +13508,7 @@
         <p:spPr>
           <a:xfrm>
             <a:off x="327960" y="1553760"/>
-            <a:ext cx="9192240" cy="5126760"/>
+            <a:ext cx="9191520" cy="5126040"/>
           </a:xfrm>
           <a:prstGeom prst="rect">
             <a:avLst/>
@@ -13673,7 +13739,7 @@
         <p:spPr>
           <a:xfrm>
             <a:off x="1345680" y="3785400"/>
-            <a:ext cx="2774160" cy="779760"/>
+            <a:ext cx="2773440" cy="779040"/>
           </a:xfrm>
           <a:prstGeom prst="rect">
             <a:avLst/>
@@ -13722,7 +13788,7 @@
         <p:spPr>
           <a:xfrm>
             <a:off x="360000" y="360000"/>
-            <a:ext cx="9351000" cy="891000"/>
+            <a:ext cx="9350280" cy="890280"/>
           </a:xfrm>
           <a:prstGeom prst="rect">
             <a:avLst/>
@@ -13774,7 +13840,7 @@
         <p:spPr>
           <a:xfrm>
             <a:off x="360000" y="1980000"/>
-            <a:ext cx="9171000" cy="4671000"/>
+            <a:ext cx="9170280" cy="4670280"/>
           </a:xfrm>
           <a:prstGeom prst="rect">
             <a:avLst/>
@@ -13833,7 +13899,7 @@
         <p:spPr>
           <a:xfrm>
             <a:off x="897120" y="6886080"/>
-            <a:ext cx="6438240" cy="356040"/>
+            <a:ext cx="6437520" cy="355320"/>
           </a:xfrm>
           <a:prstGeom prst="rect">
             <a:avLst/>
@@ -13885,7 +13951,7 @@
         <p:spPr>
           <a:xfrm>
             <a:off x="7608600" y="6886080"/>
-            <a:ext cx="2276280" cy="356040"/>
+            <a:ext cx="2275560" cy="355320"/>
           </a:xfrm>
           <a:prstGeom prst="rect">
             <a:avLst/>
@@ -13937,7 +14003,7 @@
         <p:spPr>
           <a:xfrm>
             <a:off x="327960" y="1517760"/>
-            <a:ext cx="9192240" cy="5126760"/>
+            <a:ext cx="9191520" cy="5126040"/>
           </a:xfrm>
           <a:prstGeom prst="rect">
             <a:avLst/>
@@ -14286,7 +14352,7 @@
         <p:spPr>
           <a:xfrm>
             <a:off x="757440" y="2510640"/>
-            <a:ext cx="2774160" cy="779760"/>
+            <a:ext cx="2773440" cy="779040"/>
           </a:xfrm>
           <a:prstGeom prst="rect">
             <a:avLst/>
@@ -14340,7 +14406,7 @@
         <p:spPr>
           <a:xfrm>
             <a:off x="6386040" y="4146480"/>
-            <a:ext cx="2932200" cy="2561760"/>
+            <a:ext cx="2931480" cy="2561040"/>
           </a:xfrm>
           <a:prstGeom prst="rect">
             <a:avLst/>
@@ -14359,7 +14425,7 @@
         <p:spPr>
           <a:xfrm>
             <a:off x="360000" y="360000"/>
-            <a:ext cx="9351000" cy="891000"/>
+            <a:ext cx="9350280" cy="890280"/>
           </a:xfrm>
           <a:prstGeom prst="rect">
             <a:avLst/>
@@ -14411,7 +14477,7 @@
         <p:spPr>
           <a:xfrm>
             <a:off x="360000" y="1980000"/>
-            <a:ext cx="9171000" cy="4671000"/>
+            <a:ext cx="9170280" cy="4670280"/>
           </a:xfrm>
           <a:prstGeom prst="rect">
             <a:avLst/>
@@ -14470,7 +14536,7 @@
         <p:spPr>
           <a:xfrm>
             <a:off x="897120" y="6886080"/>
-            <a:ext cx="6438240" cy="356040"/>
+            <a:ext cx="6437520" cy="355320"/>
           </a:xfrm>
           <a:prstGeom prst="rect">
             <a:avLst/>
@@ -14522,7 +14588,7 @@
         <p:spPr>
           <a:xfrm>
             <a:off x="7608600" y="6886080"/>
-            <a:ext cx="2276280" cy="356040"/>
+            <a:ext cx="2275560" cy="355320"/>
           </a:xfrm>
           <a:prstGeom prst="rect">
             <a:avLst/>
@@ -14574,7 +14640,7 @@
         <p:spPr>
           <a:xfrm>
             <a:off x="327960" y="1553760"/>
-            <a:ext cx="9192240" cy="5126760"/>
+            <a:ext cx="9191520" cy="5126040"/>
           </a:xfrm>
           <a:prstGeom prst="rect">
             <a:avLst/>
@@ -15062,7 +15128,7 @@
         <p:spPr>
           <a:xfrm>
             <a:off x="1037520" y="3120840"/>
-            <a:ext cx="2406600" cy="676440"/>
+            <a:ext cx="2405880" cy="675720"/>
           </a:xfrm>
           <a:prstGeom prst="rect">
             <a:avLst/>
@@ -15085,7 +15151,7 @@
         <p:spPr>
           <a:xfrm>
             <a:off x="5196600" y="1924920"/>
-            <a:ext cx="4408200" cy="1800720"/>
+            <a:ext cx="4407480" cy="1800000"/>
           </a:xfrm>
           <a:prstGeom prst="rect">
             <a:avLst/>
@@ -15134,7 +15200,7 @@
         <p:spPr>
           <a:xfrm>
             <a:off x="360000" y="360000"/>
-            <a:ext cx="9351000" cy="891000"/>
+            <a:ext cx="9350280" cy="890280"/>
           </a:xfrm>
           <a:prstGeom prst="rect">
             <a:avLst/>
@@ -15186,7 +15252,7 @@
         <p:spPr>
           <a:xfrm>
             <a:off x="360000" y="1980000"/>
-            <a:ext cx="9171000" cy="4671000"/>
+            <a:ext cx="9170280" cy="4670280"/>
           </a:xfrm>
           <a:prstGeom prst="rect">
             <a:avLst/>
@@ -15245,7 +15311,7 @@
         <p:spPr>
           <a:xfrm>
             <a:off x="897120" y="6886080"/>
-            <a:ext cx="6438240" cy="356040"/>
+            <a:ext cx="6437520" cy="355320"/>
           </a:xfrm>
           <a:prstGeom prst="rect">
             <a:avLst/>
@@ -15297,7 +15363,7 @@
         <p:spPr>
           <a:xfrm>
             <a:off x="7608600" y="6886080"/>
-            <a:ext cx="2276280" cy="356040"/>
+            <a:ext cx="2275560" cy="355320"/>
           </a:xfrm>
           <a:prstGeom prst="rect">
             <a:avLst/>
@@ -15349,7 +15415,7 @@
         <p:spPr>
           <a:xfrm>
             <a:off x="327960" y="1553760"/>
-            <a:ext cx="9192240" cy="5126760"/>
+            <a:ext cx="9191520" cy="5126040"/>
           </a:xfrm>
           <a:prstGeom prst="rect">
             <a:avLst/>
